--- a/slides/VideoCloudAnalyticsAPI.pptx
+++ b/slides/VideoCloudAnalyticsAPI.pptx
@@ -1,6 +1,6 @@
 
 <file path=ppt/presentation.xml><?xml version="1.0" encoding="utf-8"?>
-<p:presentation xmlns:a="http://schemas.openxmlformats.org/drawingml/2006/main" xmlns:r="http://schemas.openxmlformats.org/officeDocument/2006/relationships" xmlns:mc="http://schemas.openxmlformats.org/markup-compatibility/2006" xmlns:mv="urn:schemas-microsoft-com:mac:vml" xmlns:p="http://schemas.openxmlformats.org/presentationml/2006/main" mc:Ignorable="mv" mc:PreserveAttributes="mv:*" serverZoom="100000" strictFirstAndLastChars="0" saveSubsetFonts="1" autoCompressPictures="0">
+<p:presentation xmlns:a="http://schemas.openxmlformats.org/drawingml/2006/main" xmlns:r="http://schemas.openxmlformats.org/officeDocument/2006/relationships" xmlns:p="http://schemas.openxmlformats.org/presentationml/2006/main" serverZoom="100000" strictFirstAndLastChars="0" saveSubsetFonts="1" autoCompressPictures="0">
   <p:sldMasterIdLst>
     <p:sldMasterId id="2147483648" r:id="rId1"/>
     <p:sldMasterId id="2147483649" r:id="rId2"/>
@@ -9,19 +9,21 @@
     <p:sldMasterId id="2147483652" r:id="rId5"/>
   </p:sldMasterIdLst>
   <p:notesMasterIdLst>
-    <p:notesMasterId r:id="rId16"/>
+    <p:notesMasterId r:id="rId18"/>
   </p:notesMasterIdLst>
   <p:sldIdLst>
     <p:sldId id="256" r:id="rId6"/>
     <p:sldId id="257" r:id="rId7"/>
-    <p:sldId id="258" r:id="rId8"/>
-    <p:sldId id="259" r:id="rId9"/>
-    <p:sldId id="260" r:id="rId10"/>
-    <p:sldId id="261" r:id="rId11"/>
-    <p:sldId id="262" r:id="rId12"/>
-    <p:sldId id="263" r:id="rId13"/>
-    <p:sldId id="264" r:id="rId14"/>
-    <p:sldId id="265" r:id="rId15"/>
+    <p:sldId id="266" r:id="rId8"/>
+    <p:sldId id="267" r:id="rId9"/>
+    <p:sldId id="258" r:id="rId10"/>
+    <p:sldId id="259" r:id="rId11"/>
+    <p:sldId id="260" r:id="rId12"/>
+    <p:sldId id="261" r:id="rId13"/>
+    <p:sldId id="262" r:id="rId14"/>
+    <p:sldId id="263" r:id="rId15"/>
+    <p:sldId id="264" r:id="rId16"/>
+    <p:sldId id="265" r:id="rId17"/>
   </p:sldIdLst>
   <p:sldSz cx="17322800" cy="9740900"/>
   <p:notesSz cx="6858000" cy="9144000"/>
@@ -163,7 +165,7 @@
 </file>
 
 <file path=ppt/notesMasters/notesMaster1.xml><?xml version="1.0" encoding="utf-8"?>
-<p:notesMaster xmlns:a="http://schemas.openxmlformats.org/drawingml/2006/main" xmlns:r="http://schemas.openxmlformats.org/officeDocument/2006/relationships" xmlns:mc="http://schemas.openxmlformats.org/markup-compatibility/2006" xmlns:mv="urn:schemas-microsoft-com:mac:vml" xmlns:p="http://schemas.openxmlformats.org/presentationml/2006/main" mc:Ignorable="mv" mc:PreserveAttributes="mv:*">
+<p:notesMaster xmlns:a="http://schemas.openxmlformats.org/drawingml/2006/main" xmlns:r="http://schemas.openxmlformats.org/officeDocument/2006/relationships" xmlns:p="http://schemas.openxmlformats.org/presentationml/2006/main">
   <p:cSld>
     <p:bg>
       <p:bgPr>
@@ -191,7 +193,7 @@
         <p:nvSpPr>
           <p:cNvPr id="6145" name="Rectangle 1"/>
           <p:cNvSpPr>
-            <a:spLocks/>
+            <a:spLocks noGrp="1" noRot="1" noChangeAspect="1"/>
           </p:cNvSpPr>
           <p:nvPr>
             <p:ph type="sldImg" idx="2"/>
@@ -220,7 +222,7 @@
         <p:nvSpPr>
           <p:cNvPr id="6146" name="Rectangle 2"/>
           <p:cNvSpPr>
-            <a:spLocks/>
+            <a:spLocks noGrp="1"/>
           </p:cNvSpPr>
           <p:nvPr>
             <p:ph type="body" sz="quarter" idx="3"/>
@@ -299,6 +301,11 @@
         </p:txBody>
       </p:sp>
     </p:spTree>
+    <p:extLst>
+      <p:ext uri="{BB962C8B-B14F-4D97-AF65-F5344CB8AC3E}">
+        <p14:creationId xmlns:p14="http://schemas.microsoft.com/office/powerpoint/2010/main" val="2731944328"/>
+      </p:ext>
+    </p:extLst>
   </p:cSld>
   <p:clrMap bg1="lt1" tx1="dk1" bg2="lt2" tx2="dk2" accent1="accent1" accent2="accent2" accent3="accent3" accent4="accent4" accent5="accent5" accent6="accent6" hlink="hlink" folHlink="folHlink"/>
   <p:notesStyle>
@@ -447,7 +454,7 @@
 </file>
 
 <file path=ppt/slideLayouts/slideLayout1.xml><?xml version="1.0" encoding="utf-8"?>
-<p:sldLayout xmlns:a="http://schemas.openxmlformats.org/drawingml/2006/main" xmlns:r="http://schemas.openxmlformats.org/officeDocument/2006/relationships" xmlns:mc="http://schemas.openxmlformats.org/markup-compatibility/2006" xmlns:mv="urn:schemas-microsoft-com:mac:vml" xmlns:p="http://schemas.openxmlformats.org/presentationml/2006/main" mc:Ignorable="mv" mc:PreserveAttributes="mv:*" type="title" preserve="1">
+<p:sldLayout xmlns:a="http://schemas.openxmlformats.org/drawingml/2006/main" xmlns:r="http://schemas.openxmlformats.org/officeDocument/2006/relationships" xmlns:p="http://schemas.openxmlformats.org/presentationml/2006/main" type="title" preserve="1">
   <p:cSld name="Title Slide">
     <p:spTree>
       <p:nvGrpSpPr>
@@ -565,7 +572,7 @@
 </file>
 
 <file path=ppt/slideLayouts/slideLayout10.xml><?xml version="1.0" encoding="utf-8"?>
-<p:sldLayout xmlns:a="http://schemas.openxmlformats.org/drawingml/2006/main" xmlns:r="http://schemas.openxmlformats.org/officeDocument/2006/relationships" xmlns:mc="http://schemas.openxmlformats.org/markup-compatibility/2006" xmlns:mv="urn:schemas-microsoft-com:mac:vml" xmlns:p="http://schemas.openxmlformats.org/presentationml/2006/main" mc:Ignorable="mv" mc:PreserveAttributes="mv:*" type="vertTx" preserve="1">
+<p:sldLayout xmlns:a="http://schemas.openxmlformats.org/drawingml/2006/main" xmlns:r="http://schemas.openxmlformats.org/officeDocument/2006/relationships" xmlns:p="http://schemas.openxmlformats.org/presentationml/2006/main" type="vertTx" preserve="1">
   <p:cSld name="Title and Vertical Text">
     <p:spTree>
       <p:nvGrpSpPr>
@@ -665,7 +672,7 @@
 </file>
 
 <file path=ppt/slideLayouts/slideLayout11.xml><?xml version="1.0" encoding="utf-8"?>
-<p:sldLayout xmlns:a="http://schemas.openxmlformats.org/drawingml/2006/main" xmlns:r="http://schemas.openxmlformats.org/officeDocument/2006/relationships" xmlns:mc="http://schemas.openxmlformats.org/markup-compatibility/2006" xmlns:mv="urn:schemas-microsoft-com:mac:vml" xmlns:p="http://schemas.openxmlformats.org/presentationml/2006/main" mc:Ignorable="mv" mc:PreserveAttributes="mv:*" type="vertTitleAndTx" preserve="1">
+<p:sldLayout xmlns:a="http://schemas.openxmlformats.org/drawingml/2006/main" xmlns:r="http://schemas.openxmlformats.org/officeDocument/2006/relationships" xmlns:p="http://schemas.openxmlformats.org/presentationml/2006/main" type="vertTitleAndTx" preserve="1">
   <p:cSld name="Vertical Title and Text">
     <p:spTree>
       <p:nvGrpSpPr>
@@ -775,7 +782,7 @@
 </file>
 
 <file path=ppt/slideLayouts/slideLayout12.xml><?xml version="1.0" encoding="utf-8"?>
-<p:sldLayout xmlns:a="http://schemas.openxmlformats.org/drawingml/2006/main" xmlns:r="http://schemas.openxmlformats.org/officeDocument/2006/relationships" xmlns:mc="http://schemas.openxmlformats.org/markup-compatibility/2006" xmlns:mv="urn:schemas-microsoft-com:mac:vml" xmlns:p="http://schemas.openxmlformats.org/presentationml/2006/main" mc:Ignorable="mv" mc:PreserveAttributes="mv:*" type="title" preserve="1">
+<p:sldLayout xmlns:a="http://schemas.openxmlformats.org/drawingml/2006/main" xmlns:r="http://schemas.openxmlformats.org/officeDocument/2006/relationships" xmlns:p="http://schemas.openxmlformats.org/presentationml/2006/main" type="title" preserve="1">
   <p:cSld name="Title Slide">
     <p:spTree>
       <p:nvGrpSpPr>
@@ -893,7 +900,7 @@
 </file>
 
 <file path=ppt/slideLayouts/slideLayout13.xml><?xml version="1.0" encoding="utf-8"?>
-<p:sldLayout xmlns:a="http://schemas.openxmlformats.org/drawingml/2006/main" xmlns:r="http://schemas.openxmlformats.org/officeDocument/2006/relationships" xmlns:mc="http://schemas.openxmlformats.org/markup-compatibility/2006" xmlns:mv="urn:schemas-microsoft-com:mac:vml" xmlns:p="http://schemas.openxmlformats.org/presentationml/2006/main" mc:Ignorable="mv" mc:PreserveAttributes="mv:*" type="obj" preserve="1">
+<p:sldLayout xmlns:a="http://schemas.openxmlformats.org/drawingml/2006/main" xmlns:r="http://schemas.openxmlformats.org/officeDocument/2006/relationships" xmlns:p="http://schemas.openxmlformats.org/presentationml/2006/main" type="obj" preserve="1">
   <p:cSld name="Title and Content">
     <p:spTree>
       <p:nvGrpSpPr>
@@ -993,7 +1000,7 @@
 </file>
 
 <file path=ppt/slideLayouts/slideLayout14.xml><?xml version="1.0" encoding="utf-8"?>
-<p:sldLayout xmlns:a="http://schemas.openxmlformats.org/drawingml/2006/main" xmlns:r="http://schemas.openxmlformats.org/officeDocument/2006/relationships" xmlns:mc="http://schemas.openxmlformats.org/markup-compatibility/2006" xmlns:mv="urn:schemas-microsoft-com:mac:vml" xmlns:p="http://schemas.openxmlformats.org/presentationml/2006/main" mc:Ignorable="mv" mc:PreserveAttributes="mv:*" type="secHead" preserve="1">
+<p:sldLayout xmlns:a="http://schemas.openxmlformats.org/drawingml/2006/main" xmlns:r="http://schemas.openxmlformats.org/officeDocument/2006/relationships" xmlns:p="http://schemas.openxmlformats.org/presentationml/2006/main" type="secHead" preserve="1">
   <p:cSld name="Section Header">
     <p:spTree>
       <p:nvGrpSpPr>
@@ -1115,7 +1122,7 @@
 </file>
 
 <file path=ppt/slideLayouts/slideLayout15.xml><?xml version="1.0" encoding="utf-8"?>
-<p:sldLayout xmlns:a="http://schemas.openxmlformats.org/drawingml/2006/main" xmlns:r="http://schemas.openxmlformats.org/officeDocument/2006/relationships" xmlns:mc="http://schemas.openxmlformats.org/markup-compatibility/2006" xmlns:mv="urn:schemas-microsoft-com:mac:vml" xmlns:p="http://schemas.openxmlformats.org/presentationml/2006/main" mc:Ignorable="mv" mc:PreserveAttributes="mv:*" type="twoObj" preserve="1">
+<p:sldLayout xmlns:a="http://schemas.openxmlformats.org/drawingml/2006/main" xmlns:r="http://schemas.openxmlformats.org/officeDocument/2006/relationships" xmlns:p="http://schemas.openxmlformats.org/presentationml/2006/main" type="twoObj" preserve="1">
   <p:cSld name="Two Content">
     <p:spTree>
       <p:nvGrpSpPr>
@@ -1333,7 +1340,7 @@
 </file>
 
 <file path=ppt/slideLayouts/slideLayout16.xml><?xml version="1.0" encoding="utf-8"?>
-<p:sldLayout xmlns:a="http://schemas.openxmlformats.org/drawingml/2006/main" xmlns:r="http://schemas.openxmlformats.org/officeDocument/2006/relationships" xmlns:mc="http://schemas.openxmlformats.org/markup-compatibility/2006" xmlns:mv="urn:schemas-microsoft-com:mac:vml" xmlns:p="http://schemas.openxmlformats.org/presentationml/2006/main" mc:Ignorable="mv" mc:PreserveAttributes="mv:*" type="twoTxTwoObj" preserve="1">
+<p:sldLayout xmlns:a="http://schemas.openxmlformats.org/drawingml/2006/main" xmlns:r="http://schemas.openxmlformats.org/officeDocument/2006/relationships" xmlns:p="http://schemas.openxmlformats.org/presentationml/2006/main" type="twoTxTwoObj" preserve="1">
   <p:cSld name="Comparison">
     <p:spTree>
       <p:nvGrpSpPr>
@@ -1690,7 +1697,7 @@
 </file>
 
 <file path=ppt/slideLayouts/slideLayout17.xml><?xml version="1.0" encoding="utf-8"?>
-<p:sldLayout xmlns:a="http://schemas.openxmlformats.org/drawingml/2006/main" xmlns:r="http://schemas.openxmlformats.org/officeDocument/2006/relationships" xmlns:mc="http://schemas.openxmlformats.org/markup-compatibility/2006" xmlns:mv="urn:schemas-microsoft-com:mac:vml" xmlns:p="http://schemas.openxmlformats.org/presentationml/2006/main" mc:Ignorable="mv" mc:PreserveAttributes="mv:*" type="titleOnly" preserve="1">
+<p:sldLayout xmlns:a="http://schemas.openxmlformats.org/drawingml/2006/main" xmlns:r="http://schemas.openxmlformats.org/officeDocument/2006/relationships" xmlns:p="http://schemas.openxmlformats.org/presentationml/2006/main" type="titleOnly" preserve="1">
   <p:cSld name="Title Only">
     <p:spTree>
       <p:nvGrpSpPr>
@@ -1738,7 +1745,7 @@
 </file>
 
 <file path=ppt/slideLayouts/slideLayout18.xml><?xml version="1.0" encoding="utf-8"?>
-<p:sldLayout xmlns:a="http://schemas.openxmlformats.org/drawingml/2006/main" xmlns:r="http://schemas.openxmlformats.org/officeDocument/2006/relationships" xmlns:mc="http://schemas.openxmlformats.org/markup-compatibility/2006" xmlns:mv="urn:schemas-microsoft-com:mac:vml" xmlns:p="http://schemas.openxmlformats.org/presentationml/2006/main" mc:Ignorable="mv" mc:PreserveAttributes="mv:*" type="blank" preserve="1">
+<p:sldLayout xmlns:a="http://schemas.openxmlformats.org/drawingml/2006/main" xmlns:r="http://schemas.openxmlformats.org/officeDocument/2006/relationships" xmlns:p="http://schemas.openxmlformats.org/presentationml/2006/main" type="blank" preserve="1">
   <p:cSld name="Blank">
     <p:spTree>
       <p:nvGrpSpPr>
@@ -1763,7 +1770,7 @@
 </file>
 
 <file path=ppt/slideLayouts/slideLayout19.xml><?xml version="1.0" encoding="utf-8"?>
-<p:sldLayout xmlns:a="http://schemas.openxmlformats.org/drawingml/2006/main" xmlns:r="http://schemas.openxmlformats.org/officeDocument/2006/relationships" xmlns:mc="http://schemas.openxmlformats.org/markup-compatibility/2006" xmlns:mv="urn:schemas-microsoft-com:mac:vml" xmlns:p="http://schemas.openxmlformats.org/presentationml/2006/main" mc:Ignorable="mv" mc:PreserveAttributes="mv:*" type="objTx" preserve="1">
+<p:sldLayout xmlns:a="http://schemas.openxmlformats.org/drawingml/2006/main" xmlns:r="http://schemas.openxmlformats.org/officeDocument/2006/relationships" xmlns:p="http://schemas.openxmlformats.org/presentationml/2006/main" type="objTx" preserve="1">
   <p:cSld name="Content with Caption">
     <p:spTree>
       <p:nvGrpSpPr>
@@ -1970,7 +1977,7 @@
 </file>
 
 <file path=ppt/slideLayouts/slideLayout2.xml><?xml version="1.0" encoding="utf-8"?>
-<p:sldLayout xmlns:a="http://schemas.openxmlformats.org/drawingml/2006/main" xmlns:r="http://schemas.openxmlformats.org/officeDocument/2006/relationships" xmlns:mc="http://schemas.openxmlformats.org/markup-compatibility/2006" xmlns:mv="urn:schemas-microsoft-com:mac:vml" xmlns:p="http://schemas.openxmlformats.org/presentationml/2006/main" mc:Ignorable="mv" mc:PreserveAttributes="mv:*" type="obj" preserve="1">
+<p:sldLayout xmlns:a="http://schemas.openxmlformats.org/drawingml/2006/main" xmlns:r="http://schemas.openxmlformats.org/officeDocument/2006/relationships" xmlns:p="http://schemas.openxmlformats.org/presentationml/2006/main" type="obj" preserve="1">
   <p:cSld name="Title and Content">
     <p:spTree>
       <p:nvGrpSpPr>
@@ -2070,7 +2077,7 @@
 </file>
 
 <file path=ppt/slideLayouts/slideLayout20.xml><?xml version="1.0" encoding="utf-8"?>
-<p:sldLayout xmlns:a="http://schemas.openxmlformats.org/drawingml/2006/main" xmlns:r="http://schemas.openxmlformats.org/officeDocument/2006/relationships" xmlns:mc="http://schemas.openxmlformats.org/markup-compatibility/2006" xmlns:mv="urn:schemas-microsoft-com:mac:vml" xmlns:p="http://schemas.openxmlformats.org/presentationml/2006/main" mc:Ignorable="mv" mc:PreserveAttributes="mv:*" type="picTx" preserve="1">
+<p:sldLayout xmlns:a="http://schemas.openxmlformats.org/drawingml/2006/main" xmlns:r="http://schemas.openxmlformats.org/officeDocument/2006/relationships" xmlns:p="http://schemas.openxmlformats.org/presentationml/2006/main" type="picTx" preserve="1">
   <p:cSld name="Picture with Caption">
     <p:spTree>
       <p:nvGrpSpPr>
@@ -2253,7 +2260,7 @@
 </file>
 
 <file path=ppt/slideLayouts/slideLayout21.xml><?xml version="1.0" encoding="utf-8"?>
-<p:sldLayout xmlns:a="http://schemas.openxmlformats.org/drawingml/2006/main" xmlns:r="http://schemas.openxmlformats.org/officeDocument/2006/relationships" xmlns:mc="http://schemas.openxmlformats.org/markup-compatibility/2006" xmlns:mv="urn:schemas-microsoft-com:mac:vml" xmlns:p="http://schemas.openxmlformats.org/presentationml/2006/main" mc:Ignorable="mv" mc:PreserveAttributes="mv:*" type="vertTx" preserve="1">
+<p:sldLayout xmlns:a="http://schemas.openxmlformats.org/drawingml/2006/main" xmlns:r="http://schemas.openxmlformats.org/officeDocument/2006/relationships" xmlns:p="http://schemas.openxmlformats.org/presentationml/2006/main" type="vertTx" preserve="1">
   <p:cSld name="Title and Vertical Text">
     <p:spTree>
       <p:nvGrpSpPr>
@@ -2353,7 +2360,7 @@
 </file>
 
 <file path=ppt/slideLayouts/slideLayout22.xml><?xml version="1.0" encoding="utf-8"?>
-<p:sldLayout xmlns:a="http://schemas.openxmlformats.org/drawingml/2006/main" xmlns:r="http://schemas.openxmlformats.org/officeDocument/2006/relationships" xmlns:mc="http://schemas.openxmlformats.org/markup-compatibility/2006" xmlns:mv="urn:schemas-microsoft-com:mac:vml" xmlns:p="http://schemas.openxmlformats.org/presentationml/2006/main" mc:Ignorable="mv" mc:PreserveAttributes="mv:*" type="vertTitleAndTx" preserve="1">
+<p:sldLayout xmlns:a="http://schemas.openxmlformats.org/drawingml/2006/main" xmlns:r="http://schemas.openxmlformats.org/officeDocument/2006/relationships" xmlns:p="http://schemas.openxmlformats.org/presentationml/2006/main" type="vertTitleAndTx" preserve="1">
   <p:cSld name="Vertical Title and Text">
     <p:spTree>
       <p:nvGrpSpPr>
@@ -2463,7 +2470,7 @@
 </file>
 
 <file path=ppt/slideLayouts/slideLayout23.xml><?xml version="1.0" encoding="utf-8"?>
-<p:sldLayout xmlns:a="http://schemas.openxmlformats.org/drawingml/2006/main" xmlns:r="http://schemas.openxmlformats.org/officeDocument/2006/relationships" xmlns:mc="http://schemas.openxmlformats.org/markup-compatibility/2006" xmlns:mv="urn:schemas-microsoft-com:mac:vml" xmlns:p="http://schemas.openxmlformats.org/presentationml/2006/main" mc:Ignorable="mv" mc:PreserveAttributes="mv:*" type="title" preserve="1">
+<p:sldLayout xmlns:a="http://schemas.openxmlformats.org/drawingml/2006/main" xmlns:r="http://schemas.openxmlformats.org/officeDocument/2006/relationships" xmlns:p="http://schemas.openxmlformats.org/presentationml/2006/main" type="title" preserve="1">
   <p:cSld name="Title Slide">
     <p:spTree>
       <p:nvGrpSpPr>
@@ -2617,7 +2624,7 @@
 </file>
 
 <file path=ppt/slideLayouts/slideLayout24.xml><?xml version="1.0" encoding="utf-8"?>
-<p:sldLayout xmlns:a="http://schemas.openxmlformats.org/drawingml/2006/main" xmlns:r="http://schemas.openxmlformats.org/officeDocument/2006/relationships" xmlns:mc="http://schemas.openxmlformats.org/markup-compatibility/2006" xmlns:mv="urn:schemas-microsoft-com:mac:vml" xmlns:p="http://schemas.openxmlformats.org/presentationml/2006/main" mc:Ignorable="mv" mc:PreserveAttributes="mv:*" type="obj" preserve="1">
+<p:sldLayout xmlns:a="http://schemas.openxmlformats.org/drawingml/2006/main" xmlns:r="http://schemas.openxmlformats.org/officeDocument/2006/relationships" xmlns:p="http://schemas.openxmlformats.org/presentationml/2006/main" type="obj" preserve="1">
   <p:cSld name="Title and Content">
     <p:spTree>
       <p:nvGrpSpPr>
@@ -2753,7 +2760,7 @@
 </file>
 
 <file path=ppt/slideLayouts/slideLayout25.xml><?xml version="1.0" encoding="utf-8"?>
-<p:sldLayout xmlns:a="http://schemas.openxmlformats.org/drawingml/2006/main" xmlns:r="http://schemas.openxmlformats.org/officeDocument/2006/relationships" xmlns:mc="http://schemas.openxmlformats.org/markup-compatibility/2006" xmlns:mv="urn:schemas-microsoft-com:mac:vml" xmlns:p="http://schemas.openxmlformats.org/presentationml/2006/main" mc:Ignorable="mv" mc:PreserveAttributes="mv:*" type="secHead" preserve="1">
+<p:sldLayout xmlns:a="http://schemas.openxmlformats.org/drawingml/2006/main" xmlns:r="http://schemas.openxmlformats.org/officeDocument/2006/relationships" xmlns:p="http://schemas.openxmlformats.org/presentationml/2006/main" type="secHead" preserve="1">
   <p:cSld name="Section Header">
     <p:spTree>
       <p:nvGrpSpPr>
@@ -2911,7 +2918,7 @@
 </file>
 
 <file path=ppt/slideLayouts/slideLayout26.xml><?xml version="1.0" encoding="utf-8"?>
-<p:sldLayout xmlns:a="http://schemas.openxmlformats.org/drawingml/2006/main" xmlns:r="http://schemas.openxmlformats.org/officeDocument/2006/relationships" xmlns:mc="http://schemas.openxmlformats.org/markup-compatibility/2006" xmlns:mv="urn:schemas-microsoft-com:mac:vml" xmlns:p="http://schemas.openxmlformats.org/presentationml/2006/main" mc:Ignorable="mv" mc:PreserveAttributes="mv:*" type="twoObj" preserve="1">
+<p:sldLayout xmlns:a="http://schemas.openxmlformats.org/drawingml/2006/main" xmlns:r="http://schemas.openxmlformats.org/officeDocument/2006/relationships" xmlns:p="http://schemas.openxmlformats.org/presentationml/2006/main" type="twoObj" preserve="1">
   <p:cSld name="Two Content">
     <p:spTree>
       <p:nvGrpSpPr>
@@ -3165,7 +3172,7 @@
 </file>
 
 <file path=ppt/slideLayouts/slideLayout27.xml><?xml version="1.0" encoding="utf-8"?>
-<p:sldLayout xmlns:a="http://schemas.openxmlformats.org/drawingml/2006/main" xmlns:r="http://schemas.openxmlformats.org/officeDocument/2006/relationships" xmlns:mc="http://schemas.openxmlformats.org/markup-compatibility/2006" xmlns:mv="urn:schemas-microsoft-com:mac:vml" xmlns:p="http://schemas.openxmlformats.org/presentationml/2006/main" mc:Ignorable="mv" mc:PreserveAttributes="mv:*" type="twoTxTwoObj" preserve="1">
+<p:sldLayout xmlns:a="http://schemas.openxmlformats.org/drawingml/2006/main" xmlns:r="http://schemas.openxmlformats.org/officeDocument/2006/relationships" xmlns:p="http://schemas.openxmlformats.org/presentationml/2006/main" type="twoTxTwoObj" preserve="1">
   <p:cSld name="Comparison">
     <p:spTree>
       <p:nvGrpSpPr>
@@ -3558,7 +3565,7 @@
 </file>
 
 <file path=ppt/slideLayouts/slideLayout28.xml><?xml version="1.0" encoding="utf-8"?>
-<p:sldLayout xmlns:a="http://schemas.openxmlformats.org/drawingml/2006/main" xmlns:r="http://schemas.openxmlformats.org/officeDocument/2006/relationships" xmlns:mc="http://schemas.openxmlformats.org/markup-compatibility/2006" xmlns:mv="urn:schemas-microsoft-com:mac:vml" xmlns:p="http://schemas.openxmlformats.org/presentationml/2006/main" mc:Ignorable="mv" mc:PreserveAttributes="mv:*" type="titleOnly" preserve="1">
+<p:sldLayout xmlns:a="http://schemas.openxmlformats.org/drawingml/2006/main" xmlns:r="http://schemas.openxmlformats.org/officeDocument/2006/relationships" xmlns:p="http://schemas.openxmlformats.org/presentationml/2006/main" type="titleOnly" preserve="1">
   <p:cSld name="Title Only">
     <p:spTree>
       <p:nvGrpSpPr>
@@ -3642,7 +3649,7 @@
 </file>
 
 <file path=ppt/slideLayouts/slideLayout29.xml><?xml version="1.0" encoding="utf-8"?>
-<p:sldLayout xmlns:a="http://schemas.openxmlformats.org/drawingml/2006/main" xmlns:r="http://schemas.openxmlformats.org/officeDocument/2006/relationships" xmlns:mc="http://schemas.openxmlformats.org/markup-compatibility/2006" xmlns:mv="urn:schemas-microsoft-com:mac:vml" xmlns:p="http://schemas.openxmlformats.org/presentationml/2006/main" mc:Ignorable="mv" mc:PreserveAttributes="mv:*" type="blank" preserve="1">
+<p:sldLayout xmlns:a="http://schemas.openxmlformats.org/drawingml/2006/main" xmlns:r="http://schemas.openxmlformats.org/officeDocument/2006/relationships" xmlns:p="http://schemas.openxmlformats.org/presentationml/2006/main" type="blank" preserve="1">
   <p:cSld name="Blank">
     <p:spTree>
       <p:nvGrpSpPr>
@@ -3703,7 +3710,7 @@
 </file>
 
 <file path=ppt/slideLayouts/slideLayout3.xml><?xml version="1.0" encoding="utf-8"?>
-<p:sldLayout xmlns:a="http://schemas.openxmlformats.org/drawingml/2006/main" xmlns:r="http://schemas.openxmlformats.org/officeDocument/2006/relationships" xmlns:mc="http://schemas.openxmlformats.org/markup-compatibility/2006" xmlns:mv="urn:schemas-microsoft-com:mac:vml" xmlns:p="http://schemas.openxmlformats.org/presentationml/2006/main" mc:Ignorable="mv" mc:PreserveAttributes="mv:*" type="secHead" preserve="1">
+<p:sldLayout xmlns:a="http://schemas.openxmlformats.org/drawingml/2006/main" xmlns:r="http://schemas.openxmlformats.org/officeDocument/2006/relationships" xmlns:p="http://schemas.openxmlformats.org/presentationml/2006/main" type="secHead" preserve="1">
   <p:cSld name="Section Header">
     <p:spTree>
       <p:nvGrpSpPr>
@@ -3825,7 +3832,7 @@
 </file>
 
 <file path=ppt/slideLayouts/slideLayout30.xml><?xml version="1.0" encoding="utf-8"?>
-<p:sldLayout xmlns:a="http://schemas.openxmlformats.org/drawingml/2006/main" xmlns:r="http://schemas.openxmlformats.org/officeDocument/2006/relationships" xmlns:mc="http://schemas.openxmlformats.org/markup-compatibility/2006" xmlns:mv="urn:schemas-microsoft-com:mac:vml" xmlns:p="http://schemas.openxmlformats.org/presentationml/2006/main" mc:Ignorable="mv" mc:PreserveAttributes="mv:*" type="objTx" preserve="1">
+<p:sldLayout xmlns:a="http://schemas.openxmlformats.org/drawingml/2006/main" xmlns:r="http://schemas.openxmlformats.org/officeDocument/2006/relationships" xmlns:p="http://schemas.openxmlformats.org/presentationml/2006/main" type="objTx" preserve="1">
   <p:cSld name="Content with Caption">
     <p:spTree>
       <p:nvGrpSpPr>
@@ -4068,7 +4075,7 @@
 </file>
 
 <file path=ppt/slideLayouts/slideLayout31.xml><?xml version="1.0" encoding="utf-8"?>
-<p:sldLayout xmlns:a="http://schemas.openxmlformats.org/drawingml/2006/main" xmlns:r="http://schemas.openxmlformats.org/officeDocument/2006/relationships" xmlns:mc="http://schemas.openxmlformats.org/markup-compatibility/2006" xmlns:mv="urn:schemas-microsoft-com:mac:vml" xmlns:p="http://schemas.openxmlformats.org/presentationml/2006/main" mc:Ignorable="mv" mc:PreserveAttributes="mv:*" type="picTx" preserve="1">
+<p:sldLayout xmlns:a="http://schemas.openxmlformats.org/drawingml/2006/main" xmlns:r="http://schemas.openxmlformats.org/officeDocument/2006/relationships" xmlns:p="http://schemas.openxmlformats.org/presentationml/2006/main" type="picTx" preserve="1">
   <p:cSld name="Picture with Caption">
     <p:spTree>
       <p:nvGrpSpPr>
@@ -4287,7 +4294,7 @@
 </file>
 
 <file path=ppt/slideLayouts/slideLayout32.xml><?xml version="1.0" encoding="utf-8"?>
-<p:sldLayout xmlns:a="http://schemas.openxmlformats.org/drawingml/2006/main" xmlns:r="http://schemas.openxmlformats.org/officeDocument/2006/relationships" xmlns:mc="http://schemas.openxmlformats.org/markup-compatibility/2006" xmlns:mv="urn:schemas-microsoft-com:mac:vml" xmlns:p="http://schemas.openxmlformats.org/presentationml/2006/main" mc:Ignorable="mv" mc:PreserveAttributes="mv:*" type="vertTx" preserve="1">
+<p:sldLayout xmlns:a="http://schemas.openxmlformats.org/drawingml/2006/main" xmlns:r="http://schemas.openxmlformats.org/officeDocument/2006/relationships" xmlns:p="http://schemas.openxmlformats.org/presentationml/2006/main" type="vertTx" preserve="1">
   <p:cSld name="Title and Vertical Text">
     <p:spTree>
       <p:nvGrpSpPr>
@@ -4423,7 +4430,7 @@
 </file>
 
 <file path=ppt/slideLayouts/slideLayout33.xml><?xml version="1.0" encoding="utf-8"?>
-<p:sldLayout xmlns:a="http://schemas.openxmlformats.org/drawingml/2006/main" xmlns:r="http://schemas.openxmlformats.org/officeDocument/2006/relationships" xmlns:mc="http://schemas.openxmlformats.org/markup-compatibility/2006" xmlns:mv="urn:schemas-microsoft-com:mac:vml" xmlns:p="http://schemas.openxmlformats.org/presentationml/2006/main" mc:Ignorable="mv" mc:PreserveAttributes="mv:*" type="vertTitleAndTx" preserve="1">
+<p:sldLayout xmlns:a="http://schemas.openxmlformats.org/drawingml/2006/main" xmlns:r="http://schemas.openxmlformats.org/officeDocument/2006/relationships" xmlns:p="http://schemas.openxmlformats.org/presentationml/2006/main" type="vertTitleAndTx" preserve="1">
   <p:cSld name="Vertical Title and Text">
     <p:spTree>
       <p:nvGrpSpPr>
@@ -4569,7 +4576,7 @@
 </file>
 
 <file path=ppt/slideLayouts/slideLayout34.xml><?xml version="1.0" encoding="utf-8"?>
-<p:sldLayout xmlns:a="http://schemas.openxmlformats.org/drawingml/2006/main" xmlns:r="http://schemas.openxmlformats.org/officeDocument/2006/relationships" xmlns:mc="http://schemas.openxmlformats.org/markup-compatibility/2006" xmlns:mv="urn:schemas-microsoft-com:mac:vml" xmlns:p="http://schemas.openxmlformats.org/presentationml/2006/main" mc:Ignorable="mv" mc:PreserveAttributes="mv:*" type="title" preserve="1">
+<p:sldLayout xmlns:a="http://schemas.openxmlformats.org/drawingml/2006/main" xmlns:r="http://schemas.openxmlformats.org/officeDocument/2006/relationships" xmlns:p="http://schemas.openxmlformats.org/presentationml/2006/main" type="title" preserve="1">
   <p:cSld name="Title Slide">
     <p:spTree>
       <p:nvGrpSpPr>
@@ -4723,7 +4730,7 @@
 </file>
 
 <file path=ppt/slideLayouts/slideLayout35.xml><?xml version="1.0" encoding="utf-8"?>
-<p:sldLayout xmlns:a="http://schemas.openxmlformats.org/drawingml/2006/main" xmlns:r="http://schemas.openxmlformats.org/officeDocument/2006/relationships" xmlns:mc="http://schemas.openxmlformats.org/markup-compatibility/2006" xmlns:mv="urn:schemas-microsoft-com:mac:vml" xmlns:p="http://schemas.openxmlformats.org/presentationml/2006/main" mc:Ignorable="mv" mc:PreserveAttributes="mv:*" type="obj" preserve="1">
+<p:sldLayout xmlns:a="http://schemas.openxmlformats.org/drawingml/2006/main" xmlns:r="http://schemas.openxmlformats.org/officeDocument/2006/relationships" xmlns:p="http://schemas.openxmlformats.org/presentationml/2006/main" type="obj" preserve="1">
   <p:cSld name="Title and Content">
     <p:spTree>
       <p:nvGrpSpPr>
@@ -4859,7 +4866,7 @@
 </file>
 
 <file path=ppt/slideLayouts/slideLayout36.xml><?xml version="1.0" encoding="utf-8"?>
-<p:sldLayout xmlns:a="http://schemas.openxmlformats.org/drawingml/2006/main" xmlns:r="http://schemas.openxmlformats.org/officeDocument/2006/relationships" xmlns:mc="http://schemas.openxmlformats.org/markup-compatibility/2006" xmlns:mv="urn:schemas-microsoft-com:mac:vml" xmlns:p="http://schemas.openxmlformats.org/presentationml/2006/main" mc:Ignorable="mv" mc:PreserveAttributes="mv:*" type="secHead" preserve="1">
+<p:sldLayout xmlns:a="http://schemas.openxmlformats.org/drawingml/2006/main" xmlns:r="http://schemas.openxmlformats.org/officeDocument/2006/relationships" xmlns:p="http://schemas.openxmlformats.org/presentationml/2006/main" type="secHead" preserve="1">
   <p:cSld name="Section Header">
     <p:spTree>
       <p:nvGrpSpPr>
@@ -5017,7 +5024,7 @@
 </file>
 
 <file path=ppt/slideLayouts/slideLayout37.xml><?xml version="1.0" encoding="utf-8"?>
-<p:sldLayout xmlns:a="http://schemas.openxmlformats.org/drawingml/2006/main" xmlns:r="http://schemas.openxmlformats.org/officeDocument/2006/relationships" xmlns:mc="http://schemas.openxmlformats.org/markup-compatibility/2006" xmlns:mv="urn:schemas-microsoft-com:mac:vml" xmlns:p="http://schemas.openxmlformats.org/presentationml/2006/main" mc:Ignorable="mv" mc:PreserveAttributes="mv:*" type="twoObj" preserve="1">
+<p:sldLayout xmlns:a="http://schemas.openxmlformats.org/drawingml/2006/main" xmlns:r="http://schemas.openxmlformats.org/officeDocument/2006/relationships" xmlns:p="http://schemas.openxmlformats.org/presentationml/2006/main" type="twoObj" preserve="1">
   <p:cSld name="Two Content">
     <p:spTree>
       <p:nvGrpSpPr>
@@ -5271,7 +5278,7 @@
 </file>
 
 <file path=ppt/slideLayouts/slideLayout38.xml><?xml version="1.0" encoding="utf-8"?>
-<p:sldLayout xmlns:a="http://schemas.openxmlformats.org/drawingml/2006/main" xmlns:r="http://schemas.openxmlformats.org/officeDocument/2006/relationships" xmlns:mc="http://schemas.openxmlformats.org/markup-compatibility/2006" xmlns:mv="urn:schemas-microsoft-com:mac:vml" xmlns:p="http://schemas.openxmlformats.org/presentationml/2006/main" mc:Ignorable="mv" mc:PreserveAttributes="mv:*" type="twoTxTwoObj" preserve="1">
+<p:sldLayout xmlns:a="http://schemas.openxmlformats.org/drawingml/2006/main" xmlns:r="http://schemas.openxmlformats.org/officeDocument/2006/relationships" xmlns:p="http://schemas.openxmlformats.org/presentationml/2006/main" type="twoTxTwoObj" preserve="1">
   <p:cSld name="Comparison">
     <p:spTree>
       <p:nvGrpSpPr>
@@ -5664,7 +5671,7 @@
 </file>
 
 <file path=ppt/slideLayouts/slideLayout39.xml><?xml version="1.0" encoding="utf-8"?>
-<p:sldLayout xmlns:a="http://schemas.openxmlformats.org/drawingml/2006/main" xmlns:r="http://schemas.openxmlformats.org/officeDocument/2006/relationships" xmlns:mc="http://schemas.openxmlformats.org/markup-compatibility/2006" xmlns:mv="urn:schemas-microsoft-com:mac:vml" xmlns:p="http://schemas.openxmlformats.org/presentationml/2006/main" mc:Ignorable="mv" mc:PreserveAttributes="mv:*" type="titleOnly" preserve="1">
+<p:sldLayout xmlns:a="http://schemas.openxmlformats.org/drawingml/2006/main" xmlns:r="http://schemas.openxmlformats.org/officeDocument/2006/relationships" xmlns:p="http://schemas.openxmlformats.org/presentationml/2006/main" type="titleOnly" preserve="1">
   <p:cSld name="Title Only">
     <p:spTree>
       <p:nvGrpSpPr>
@@ -5748,7 +5755,7 @@
 </file>
 
 <file path=ppt/slideLayouts/slideLayout4.xml><?xml version="1.0" encoding="utf-8"?>
-<p:sldLayout xmlns:a="http://schemas.openxmlformats.org/drawingml/2006/main" xmlns:r="http://schemas.openxmlformats.org/officeDocument/2006/relationships" xmlns:mc="http://schemas.openxmlformats.org/markup-compatibility/2006" xmlns:mv="urn:schemas-microsoft-com:mac:vml" xmlns:p="http://schemas.openxmlformats.org/presentationml/2006/main" mc:Ignorable="mv" mc:PreserveAttributes="mv:*" type="twoObj" preserve="1">
+<p:sldLayout xmlns:a="http://schemas.openxmlformats.org/drawingml/2006/main" xmlns:r="http://schemas.openxmlformats.org/officeDocument/2006/relationships" xmlns:p="http://schemas.openxmlformats.org/presentationml/2006/main" type="twoObj" preserve="1">
   <p:cSld name="Two Content">
     <p:spTree>
       <p:nvGrpSpPr>
@@ -5966,7 +5973,7 @@
 </file>
 
 <file path=ppt/slideLayouts/slideLayout40.xml><?xml version="1.0" encoding="utf-8"?>
-<p:sldLayout xmlns:a="http://schemas.openxmlformats.org/drawingml/2006/main" xmlns:r="http://schemas.openxmlformats.org/officeDocument/2006/relationships" xmlns:mc="http://schemas.openxmlformats.org/markup-compatibility/2006" xmlns:mv="urn:schemas-microsoft-com:mac:vml" xmlns:p="http://schemas.openxmlformats.org/presentationml/2006/main" mc:Ignorable="mv" mc:PreserveAttributes="mv:*" type="blank" preserve="1">
+<p:sldLayout xmlns:a="http://schemas.openxmlformats.org/drawingml/2006/main" xmlns:r="http://schemas.openxmlformats.org/officeDocument/2006/relationships" xmlns:p="http://schemas.openxmlformats.org/presentationml/2006/main" type="blank" preserve="1">
   <p:cSld name="Blank">
     <p:spTree>
       <p:nvGrpSpPr>
@@ -6027,7 +6034,7 @@
 </file>
 
 <file path=ppt/slideLayouts/slideLayout41.xml><?xml version="1.0" encoding="utf-8"?>
-<p:sldLayout xmlns:a="http://schemas.openxmlformats.org/drawingml/2006/main" xmlns:r="http://schemas.openxmlformats.org/officeDocument/2006/relationships" xmlns:mc="http://schemas.openxmlformats.org/markup-compatibility/2006" xmlns:mv="urn:schemas-microsoft-com:mac:vml" xmlns:p="http://schemas.openxmlformats.org/presentationml/2006/main" mc:Ignorable="mv" mc:PreserveAttributes="mv:*" type="objTx" preserve="1">
+<p:sldLayout xmlns:a="http://schemas.openxmlformats.org/drawingml/2006/main" xmlns:r="http://schemas.openxmlformats.org/officeDocument/2006/relationships" xmlns:p="http://schemas.openxmlformats.org/presentationml/2006/main" type="objTx" preserve="1">
   <p:cSld name="Content with Caption">
     <p:spTree>
       <p:nvGrpSpPr>
@@ -6270,7 +6277,7 @@
 </file>
 
 <file path=ppt/slideLayouts/slideLayout42.xml><?xml version="1.0" encoding="utf-8"?>
-<p:sldLayout xmlns:a="http://schemas.openxmlformats.org/drawingml/2006/main" xmlns:r="http://schemas.openxmlformats.org/officeDocument/2006/relationships" xmlns:mc="http://schemas.openxmlformats.org/markup-compatibility/2006" xmlns:mv="urn:schemas-microsoft-com:mac:vml" xmlns:p="http://schemas.openxmlformats.org/presentationml/2006/main" mc:Ignorable="mv" mc:PreserveAttributes="mv:*" type="picTx" preserve="1">
+<p:sldLayout xmlns:a="http://schemas.openxmlformats.org/drawingml/2006/main" xmlns:r="http://schemas.openxmlformats.org/officeDocument/2006/relationships" xmlns:p="http://schemas.openxmlformats.org/presentationml/2006/main" type="picTx" preserve="1">
   <p:cSld name="Picture with Caption">
     <p:spTree>
       <p:nvGrpSpPr>
@@ -6489,7 +6496,7 @@
 </file>
 
 <file path=ppt/slideLayouts/slideLayout43.xml><?xml version="1.0" encoding="utf-8"?>
-<p:sldLayout xmlns:a="http://schemas.openxmlformats.org/drawingml/2006/main" xmlns:r="http://schemas.openxmlformats.org/officeDocument/2006/relationships" xmlns:mc="http://schemas.openxmlformats.org/markup-compatibility/2006" xmlns:mv="urn:schemas-microsoft-com:mac:vml" xmlns:p="http://schemas.openxmlformats.org/presentationml/2006/main" mc:Ignorable="mv" mc:PreserveAttributes="mv:*" type="vertTx" preserve="1">
+<p:sldLayout xmlns:a="http://schemas.openxmlformats.org/drawingml/2006/main" xmlns:r="http://schemas.openxmlformats.org/officeDocument/2006/relationships" xmlns:p="http://schemas.openxmlformats.org/presentationml/2006/main" type="vertTx" preserve="1">
   <p:cSld name="Title and Vertical Text">
     <p:spTree>
       <p:nvGrpSpPr>
@@ -6625,7 +6632,7 @@
 </file>
 
 <file path=ppt/slideLayouts/slideLayout44.xml><?xml version="1.0" encoding="utf-8"?>
-<p:sldLayout xmlns:a="http://schemas.openxmlformats.org/drawingml/2006/main" xmlns:r="http://schemas.openxmlformats.org/officeDocument/2006/relationships" xmlns:mc="http://schemas.openxmlformats.org/markup-compatibility/2006" xmlns:mv="urn:schemas-microsoft-com:mac:vml" xmlns:p="http://schemas.openxmlformats.org/presentationml/2006/main" mc:Ignorable="mv" mc:PreserveAttributes="mv:*" type="vertTitleAndTx" preserve="1">
+<p:sldLayout xmlns:a="http://schemas.openxmlformats.org/drawingml/2006/main" xmlns:r="http://schemas.openxmlformats.org/officeDocument/2006/relationships" xmlns:p="http://schemas.openxmlformats.org/presentationml/2006/main" type="vertTitleAndTx" preserve="1">
   <p:cSld name="Vertical Title and Text">
     <p:spTree>
       <p:nvGrpSpPr>
@@ -6771,7 +6778,7 @@
 </file>
 
 <file path=ppt/slideLayouts/slideLayout45.xml><?xml version="1.0" encoding="utf-8"?>
-<p:sldLayout xmlns:a="http://schemas.openxmlformats.org/drawingml/2006/main" xmlns:r="http://schemas.openxmlformats.org/officeDocument/2006/relationships" xmlns:mc="http://schemas.openxmlformats.org/markup-compatibility/2006" xmlns:mv="urn:schemas-microsoft-com:mac:vml" xmlns:p="http://schemas.openxmlformats.org/presentationml/2006/main" mc:Ignorable="mv" mc:PreserveAttributes="mv:*" type="title" preserve="1">
+<p:sldLayout xmlns:a="http://schemas.openxmlformats.org/drawingml/2006/main" xmlns:r="http://schemas.openxmlformats.org/officeDocument/2006/relationships" xmlns:p="http://schemas.openxmlformats.org/presentationml/2006/main" type="title" preserve="1">
   <p:cSld name="Title Slide">
     <p:spTree>
       <p:nvGrpSpPr>
@@ -6889,7 +6896,7 @@
 </file>
 
 <file path=ppt/slideLayouts/slideLayout46.xml><?xml version="1.0" encoding="utf-8"?>
-<p:sldLayout xmlns:a="http://schemas.openxmlformats.org/drawingml/2006/main" xmlns:r="http://schemas.openxmlformats.org/officeDocument/2006/relationships" xmlns:mc="http://schemas.openxmlformats.org/markup-compatibility/2006" xmlns:mv="urn:schemas-microsoft-com:mac:vml" xmlns:p="http://schemas.openxmlformats.org/presentationml/2006/main" mc:Ignorable="mv" mc:PreserveAttributes="mv:*" type="obj" preserve="1">
+<p:sldLayout xmlns:a="http://schemas.openxmlformats.org/drawingml/2006/main" xmlns:r="http://schemas.openxmlformats.org/officeDocument/2006/relationships" xmlns:p="http://schemas.openxmlformats.org/presentationml/2006/main" type="obj" preserve="1">
   <p:cSld name="Title and Content">
     <p:spTree>
       <p:nvGrpSpPr>
@@ -6989,7 +6996,7 @@
 </file>
 
 <file path=ppt/slideLayouts/slideLayout47.xml><?xml version="1.0" encoding="utf-8"?>
-<p:sldLayout xmlns:a="http://schemas.openxmlformats.org/drawingml/2006/main" xmlns:r="http://schemas.openxmlformats.org/officeDocument/2006/relationships" xmlns:mc="http://schemas.openxmlformats.org/markup-compatibility/2006" xmlns:mv="urn:schemas-microsoft-com:mac:vml" xmlns:p="http://schemas.openxmlformats.org/presentationml/2006/main" mc:Ignorable="mv" mc:PreserveAttributes="mv:*" type="secHead" preserve="1">
+<p:sldLayout xmlns:a="http://schemas.openxmlformats.org/drawingml/2006/main" xmlns:r="http://schemas.openxmlformats.org/officeDocument/2006/relationships" xmlns:p="http://schemas.openxmlformats.org/presentationml/2006/main" type="secHead" preserve="1">
   <p:cSld name="Section Header">
     <p:spTree>
       <p:nvGrpSpPr>
@@ -7111,7 +7118,7 @@
 </file>
 
 <file path=ppt/slideLayouts/slideLayout48.xml><?xml version="1.0" encoding="utf-8"?>
-<p:sldLayout xmlns:a="http://schemas.openxmlformats.org/drawingml/2006/main" xmlns:r="http://schemas.openxmlformats.org/officeDocument/2006/relationships" xmlns:mc="http://schemas.openxmlformats.org/markup-compatibility/2006" xmlns:mv="urn:schemas-microsoft-com:mac:vml" xmlns:p="http://schemas.openxmlformats.org/presentationml/2006/main" mc:Ignorable="mv" mc:PreserveAttributes="mv:*" type="twoObj" preserve="1">
+<p:sldLayout xmlns:a="http://schemas.openxmlformats.org/drawingml/2006/main" xmlns:r="http://schemas.openxmlformats.org/officeDocument/2006/relationships" xmlns:p="http://schemas.openxmlformats.org/presentationml/2006/main" type="twoObj" preserve="1">
   <p:cSld name="Two Content">
     <p:spTree>
       <p:nvGrpSpPr>
@@ -7329,7 +7336,7 @@
 </file>
 
 <file path=ppt/slideLayouts/slideLayout49.xml><?xml version="1.0" encoding="utf-8"?>
-<p:sldLayout xmlns:a="http://schemas.openxmlformats.org/drawingml/2006/main" xmlns:r="http://schemas.openxmlformats.org/officeDocument/2006/relationships" xmlns:mc="http://schemas.openxmlformats.org/markup-compatibility/2006" xmlns:mv="urn:schemas-microsoft-com:mac:vml" xmlns:p="http://schemas.openxmlformats.org/presentationml/2006/main" mc:Ignorable="mv" mc:PreserveAttributes="mv:*" type="twoTxTwoObj" preserve="1">
+<p:sldLayout xmlns:a="http://schemas.openxmlformats.org/drawingml/2006/main" xmlns:r="http://schemas.openxmlformats.org/officeDocument/2006/relationships" xmlns:p="http://schemas.openxmlformats.org/presentationml/2006/main" type="twoTxTwoObj" preserve="1">
   <p:cSld name="Comparison">
     <p:spTree>
       <p:nvGrpSpPr>
@@ -7686,7 +7693,7 @@
 </file>
 
 <file path=ppt/slideLayouts/slideLayout5.xml><?xml version="1.0" encoding="utf-8"?>
-<p:sldLayout xmlns:a="http://schemas.openxmlformats.org/drawingml/2006/main" xmlns:r="http://schemas.openxmlformats.org/officeDocument/2006/relationships" xmlns:mc="http://schemas.openxmlformats.org/markup-compatibility/2006" xmlns:mv="urn:schemas-microsoft-com:mac:vml" xmlns:p="http://schemas.openxmlformats.org/presentationml/2006/main" mc:Ignorable="mv" mc:PreserveAttributes="mv:*" type="twoTxTwoObj" preserve="1">
+<p:sldLayout xmlns:a="http://schemas.openxmlformats.org/drawingml/2006/main" xmlns:r="http://schemas.openxmlformats.org/officeDocument/2006/relationships" xmlns:p="http://schemas.openxmlformats.org/presentationml/2006/main" type="twoTxTwoObj" preserve="1">
   <p:cSld name="Comparison">
     <p:spTree>
       <p:nvGrpSpPr>
@@ -8043,7 +8050,7 @@
 </file>
 
 <file path=ppt/slideLayouts/slideLayout50.xml><?xml version="1.0" encoding="utf-8"?>
-<p:sldLayout xmlns:a="http://schemas.openxmlformats.org/drawingml/2006/main" xmlns:r="http://schemas.openxmlformats.org/officeDocument/2006/relationships" xmlns:mc="http://schemas.openxmlformats.org/markup-compatibility/2006" xmlns:mv="urn:schemas-microsoft-com:mac:vml" xmlns:p="http://schemas.openxmlformats.org/presentationml/2006/main" mc:Ignorable="mv" mc:PreserveAttributes="mv:*" type="titleOnly" preserve="1">
+<p:sldLayout xmlns:a="http://schemas.openxmlformats.org/drawingml/2006/main" xmlns:r="http://schemas.openxmlformats.org/officeDocument/2006/relationships" xmlns:p="http://schemas.openxmlformats.org/presentationml/2006/main" type="titleOnly" preserve="1">
   <p:cSld name="Title Only">
     <p:spTree>
       <p:nvGrpSpPr>
@@ -8091,7 +8098,7 @@
 </file>
 
 <file path=ppt/slideLayouts/slideLayout51.xml><?xml version="1.0" encoding="utf-8"?>
-<p:sldLayout xmlns:a="http://schemas.openxmlformats.org/drawingml/2006/main" xmlns:r="http://schemas.openxmlformats.org/officeDocument/2006/relationships" xmlns:mc="http://schemas.openxmlformats.org/markup-compatibility/2006" xmlns:mv="urn:schemas-microsoft-com:mac:vml" xmlns:p="http://schemas.openxmlformats.org/presentationml/2006/main" mc:Ignorable="mv" mc:PreserveAttributes="mv:*" type="blank" preserve="1">
+<p:sldLayout xmlns:a="http://schemas.openxmlformats.org/drawingml/2006/main" xmlns:r="http://schemas.openxmlformats.org/officeDocument/2006/relationships" xmlns:p="http://schemas.openxmlformats.org/presentationml/2006/main" type="blank" preserve="1">
   <p:cSld name="Blank">
     <p:spTree>
       <p:nvGrpSpPr>
@@ -8116,7 +8123,7 @@
 </file>
 
 <file path=ppt/slideLayouts/slideLayout52.xml><?xml version="1.0" encoding="utf-8"?>
-<p:sldLayout xmlns:a="http://schemas.openxmlformats.org/drawingml/2006/main" xmlns:r="http://schemas.openxmlformats.org/officeDocument/2006/relationships" xmlns:mc="http://schemas.openxmlformats.org/markup-compatibility/2006" xmlns:mv="urn:schemas-microsoft-com:mac:vml" xmlns:p="http://schemas.openxmlformats.org/presentationml/2006/main" mc:Ignorable="mv" mc:PreserveAttributes="mv:*" type="objTx" preserve="1">
+<p:sldLayout xmlns:a="http://schemas.openxmlformats.org/drawingml/2006/main" xmlns:r="http://schemas.openxmlformats.org/officeDocument/2006/relationships" xmlns:p="http://schemas.openxmlformats.org/presentationml/2006/main" type="objTx" preserve="1">
   <p:cSld name="Content with Caption">
     <p:spTree>
       <p:nvGrpSpPr>
@@ -8323,7 +8330,7 @@
 </file>
 
 <file path=ppt/slideLayouts/slideLayout53.xml><?xml version="1.0" encoding="utf-8"?>
-<p:sldLayout xmlns:a="http://schemas.openxmlformats.org/drawingml/2006/main" xmlns:r="http://schemas.openxmlformats.org/officeDocument/2006/relationships" xmlns:mc="http://schemas.openxmlformats.org/markup-compatibility/2006" xmlns:mv="urn:schemas-microsoft-com:mac:vml" xmlns:p="http://schemas.openxmlformats.org/presentationml/2006/main" mc:Ignorable="mv" mc:PreserveAttributes="mv:*" type="picTx" preserve="1">
+<p:sldLayout xmlns:a="http://schemas.openxmlformats.org/drawingml/2006/main" xmlns:r="http://schemas.openxmlformats.org/officeDocument/2006/relationships" xmlns:p="http://schemas.openxmlformats.org/presentationml/2006/main" type="picTx" preserve="1">
   <p:cSld name="Picture with Caption">
     <p:spTree>
       <p:nvGrpSpPr>
@@ -8506,7 +8513,7 @@
 </file>
 
 <file path=ppt/slideLayouts/slideLayout54.xml><?xml version="1.0" encoding="utf-8"?>
-<p:sldLayout xmlns:a="http://schemas.openxmlformats.org/drawingml/2006/main" xmlns:r="http://schemas.openxmlformats.org/officeDocument/2006/relationships" xmlns:mc="http://schemas.openxmlformats.org/markup-compatibility/2006" xmlns:mv="urn:schemas-microsoft-com:mac:vml" xmlns:p="http://schemas.openxmlformats.org/presentationml/2006/main" mc:Ignorable="mv" mc:PreserveAttributes="mv:*" type="vertTx" preserve="1">
+<p:sldLayout xmlns:a="http://schemas.openxmlformats.org/drawingml/2006/main" xmlns:r="http://schemas.openxmlformats.org/officeDocument/2006/relationships" xmlns:p="http://schemas.openxmlformats.org/presentationml/2006/main" type="vertTx" preserve="1">
   <p:cSld name="Title and Vertical Text">
     <p:spTree>
       <p:nvGrpSpPr>
@@ -8606,7 +8613,7 @@
 </file>
 
 <file path=ppt/slideLayouts/slideLayout55.xml><?xml version="1.0" encoding="utf-8"?>
-<p:sldLayout xmlns:a="http://schemas.openxmlformats.org/drawingml/2006/main" xmlns:r="http://schemas.openxmlformats.org/officeDocument/2006/relationships" xmlns:mc="http://schemas.openxmlformats.org/markup-compatibility/2006" xmlns:mv="urn:schemas-microsoft-com:mac:vml" xmlns:p="http://schemas.openxmlformats.org/presentationml/2006/main" mc:Ignorable="mv" mc:PreserveAttributes="mv:*" type="vertTitleAndTx" preserve="1">
+<p:sldLayout xmlns:a="http://schemas.openxmlformats.org/drawingml/2006/main" xmlns:r="http://schemas.openxmlformats.org/officeDocument/2006/relationships" xmlns:p="http://schemas.openxmlformats.org/presentationml/2006/main" type="vertTitleAndTx" preserve="1">
   <p:cSld name="Vertical Title and Text">
     <p:spTree>
       <p:nvGrpSpPr>
@@ -8716,7 +8723,7 @@
 </file>
 
 <file path=ppt/slideLayouts/slideLayout6.xml><?xml version="1.0" encoding="utf-8"?>
-<p:sldLayout xmlns:a="http://schemas.openxmlformats.org/drawingml/2006/main" xmlns:r="http://schemas.openxmlformats.org/officeDocument/2006/relationships" xmlns:mc="http://schemas.openxmlformats.org/markup-compatibility/2006" xmlns:mv="urn:schemas-microsoft-com:mac:vml" xmlns:p="http://schemas.openxmlformats.org/presentationml/2006/main" mc:Ignorable="mv" mc:PreserveAttributes="mv:*" type="titleOnly" preserve="1">
+<p:sldLayout xmlns:a="http://schemas.openxmlformats.org/drawingml/2006/main" xmlns:r="http://schemas.openxmlformats.org/officeDocument/2006/relationships" xmlns:p="http://schemas.openxmlformats.org/presentationml/2006/main" type="titleOnly" preserve="1">
   <p:cSld name="Title Only">
     <p:spTree>
       <p:nvGrpSpPr>
@@ -8764,7 +8771,7 @@
 </file>
 
 <file path=ppt/slideLayouts/slideLayout7.xml><?xml version="1.0" encoding="utf-8"?>
-<p:sldLayout xmlns:a="http://schemas.openxmlformats.org/drawingml/2006/main" xmlns:r="http://schemas.openxmlformats.org/officeDocument/2006/relationships" xmlns:mc="http://schemas.openxmlformats.org/markup-compatibility/2006" xmlns:mv="urn:schemas-microsoft-com:mac:vml" xmlns:p="http://schemas.openxmlformats.org/presentationml/2006/main" mc:Ignorable="mv" mc:PreserveAttributes="mv:*" type="blank" preserve="1">
+<p:sldLayout xmlns:a="http://schemas.openxmlformats.org/drawingml/2006/main" xmlns:r="http://schemas.openxmlformats.org/officeDocument/2006/relationships" xmlns:p="http://schemas.openxmlformats.org/presentationml/2006/main" type="blank" preserve="1">
   <p:cSld name="Blank">
     <p:spTree>
       <p:nvGrpSpPr>
@@ -8789,7 +8796,7 @@
 </file>
 
 <file path=ppt/slideLayouts/slideLayout8.xml><?xml version="1.0" encoding="utf-8"?>
-<p:sldLayout xmlns:a="http://schemas.openxmlformats.org/drawingml/2006/main" xmlns:r="http://schemas.openxmlformats.org/officeDocument/2006/relationships" xmlns:mc="http://schemas.openxmlformats.org/markup-compatibility/2006" xmlns:mv="urn:schemas-microsoft-com:mac:vml" xmlns:p="http://schemas.openxmlformats.org/presentationml/2006/main" mc:Ignorable="mv" mc:PreserveAttributes="mv:*" type="objTx" preserve="1">
+<p:sldLayout xmlns:a="http://schemas.openxmlformats.org/drawingml/2006/main" xmlns:r="http://schemas.openxmlformats.org/officeDocument/2006/relationships" xmlns:p="http://schemas.openxmlformats.org/presentationml/2006/main" type="objTx" preserve="1">
   <p:cSld name="Content with Caption">
     <p:spTree>
       <p:nvGrpSpPr>
@@ -8996,7 +9003,7 @@
 </file>
 
 <file path=ppt/slideLayouts/slideLayout9.xml><?xml version="1.0" encoding="utf-8"?>
-<p:sldLayout xmlns:a="http://schemas.openxmlformats.org/drawingml/2006/main" xmlns:r="http://schemas.openxmlformats.org/officeDocument/2006/relationships" xmlns:mc="http://schemas.openxmlformats.org/markup-compatibility/2006" xmlns:mv="urn:schemas-microsoft-com:mac:vml" xmlns:p="http://schemas.openxmlformats.org/presentationml/2006/main" mc:Ignorable="mv" mc:PreserveAttributes="mv:*" type="picTx" preserve="1">
+<p:sldLayout xmlns:a="http://schemas.openxmlformats.org/drawingml/2006/main" xmlns:r="http://schemas.openxmlformats.org/officeDocument/2006/relationships" xmlns:p="http://schemas.openxmlformats.org/presentationml/2006/main" type="picTx" preserve="1">
   <p:cSld name="Picture with Caption">
     <p:spTree>
       <p:nvGrpSpPr>
@@ -9179,7 +9186,7 @@
 </file>
 
 <file path=ppt/slideMasters/slideMaster1.xml><?xml version="1.0" encoding="utf-8"?>
-<p:sldMaster xmlns:a="http://schemas.openxmlformats.org/drawingml/2006/main" xmlns:r="http://schemas.openxmlformats.org/officeDocument/2006/relationships" xmlns:mc="http://schemas.openxmlformats.org/markup-compatibility/2006" xmlns:mv="urn:schemas-microsoft-com:mac:vml" xmlns:p="http://schemas.openxmlformats.org/presentationml/2006/main" mc:Ignorable="mv" mc:PreserveAttributes="mv:*">
+<p:sldMaster xmlns:a="http://schemas.openxmlformats.org/drawingml/2006/main" xmlns:r="http://schemas.openxmlformats.org/officeDocument/2006/relationships" xmlns:p="http://schemas.openxmlformats.org/presentationml/2006/main">
   <p:cSld>
     <p:bg bwMode="auto">
       <p:bgPr>
@@ -9209,7 +9216,7 @@
         <p:nvSpPr>
           <p:cNvPr id="1025" name="Rectangle 1"/>
           <p:cNvSpPr>
-            <a:spLocks/>
+            <a:spLocks noGrp="1"/>
           </p:cNvSpPr>
           <p:nvPr>
             <p:ph type="title"/>
@@ -9255,7 +9262,7 @@
         <p:nvSpPr>
           <p:cNvPr id="1026" name="Rectangle 2"/>
           <p:cNvSpPr>
-            <a:spLocks/>
+            <a:spLocks noGrp="1"/>
           </p:cNvSpPr>
           <p:nvPr>
             <p:ph type="body" idx="1"/>
@@ -9760,7 +9767,7 @@
 </file>
 
 <file path=ppt/slideMasters/slideMaster2.xml><?xml version="1.0" encoding="utf-8"?>
-<p:sldMaster xmlns:a="http://schemas.openxmlformats.org/drawingml/2006/main" xmlns:r="http://schemas.openxmlformats.org/officeDocument/2006/relationships" xmlns:mc="http://schemas.openxmlformats.org/markup-compatibility/2006" xmlns:mv="urn:schemas-microsoft-com:mac:vml" xmlns:p="http://schemas.openxmlformats.org/presentationml/2006/main" mc:Ignorable="mv" mc:PreserveAttributes="mv:*">
+<p:sldMaster xmlns:a="http://schemas.openxmlformats.org/drawingml/2006/main" xmlns:r="http://schemas.openxmlformats.org/officeDocument/2006/relationships" xmlns:p="http://schemas.openxmlformats.org/presentationml/2006/main">
   <p:cSld>
     <p:bg bwMode="auto">
       <p:bgPr>
@@ -9792,7 +9799,7 @@
         <p:nvSpPr>
           <p:cNvPr id="2049" name="Rectangle 1"/>
           <p:cNvSpPr>
-            <a:spLocks/>
+            <a:spLocks noGrp="1"/>
           </p:cNvSpPr>
           <p:nvPr>
             <p:ph type="title"/>
@@ -9838,7 +9845,7 @@
         <p:nvSpPr>
           <p:cNvPr id="2050" name="Rectangle 2"/>
           <p:cNvSpPr>
-            <a:spLocks/>
+            <a:spLocks noGrp="1"/>
           </p:cNvSpPr>
           <p:nvPr>
             <p:ph type="body" idx="1"/>
@@ -10343,7 +10350,7 @@
 </file>
 
 <file path=ppt/slideMasters/slideMaster3.xml><?xml version="1.0" encoding="utf-8"?>
-<p:sldMaster xmlns:a="http://schemas.openxmlformats.org/drawingml/2006/main" xmlns:r="http://schemas.openxmlformats.org/officeDocument/2006/relationships" xmlns:mc="http://schemas.openxmlformats.org/markup-compatibility/2006" xmlns:mv="urn:schemas-microsoft-com:mac:vml" xmlns:p="http://schemas.openxmlformats.org/presentationml/2006/main" mc:Ignorable="mv" mc:PreserveAttributes="mv:*">
+<p:sldMaster xmlns:a="http://schemas.openxmlformats.org/drawingml/2006/main" xmlns:r="http://schemas.openxmlformats.org/officeDocument/2006/relationships" xmlns:p="http://schemas.openxmlformats.org/presentationml/2006/main">
   <p:cSld>
     <p:bg bwMode="auto">
       <p:bgPr>
@@ -10468,7 +10475,7 @@
         <p:nvSpPr>
           <p:cNvPr id="3074" name="Rectangle 2"/>
           <p:cNvSpPr>
-            <a:spLocks/>
+            <a:spLocks noGrp="1"/>
           </p:cNvSpPr>
           <p:nvPr>
             <p:ph type="title"/>
@@ -10514,7 +10521,7 @@
         <p:nvSpPr>
           <p:cNvPr id="3075" name="Rectangle 3"/>
           <p:cNvSpPr>
-            <a:spLocks/>
+            <a:spLocks noGrp="1"/>
           </p:cNvSpPr>
           <p:nvPr>
             <p:ph type="body" idx="1"/>
@@ -10596,7 +10603,7 @@
         <p:nvSpPr>
           <p:cNvPr id="3076" name="Rectangle 4"/>
           <p:cNvSpPr>
-            <a:spLocks/>
+            <a:spLocks noGrp="1"/>
           </p:cNvSpPr>
           <p:nvPr>
             <p:ph type="sldNum" sz="quarter" idx="2"/>
@@ -11076,7 +11083,7 @@
 </file>
 
 <file path=ppt/slideMasters/slideMaster4.xml><?xml version="1.0" encoding="utf-8"?>
-<p:sldMaster xmlns:a="http://schemas.openxmlformats.org/drawingml/2006/main" xmlns:r="http://schemas.openxmlformats.org/officeDocument/2006/relationships" xmlns:mc="http://schemas.openxmlformats.org/markup-compatibility/2006" xmlns:mv="urn:schemas-microsoft-com:mac:vml" xmlns:p="http://schemas.openxmlformats.org/presentationml/2006/main" mc:Ignorable="mv" mc:PreserveAttributes="mv:*">
+<p:sldMaster xmlns:a="http://schemas.openxmlformats.org/drawingml/2006/main" xmlns:r="http://schemas.openxmlformats.org/officeDocument/2006/relationships" xmlns:p="http://schemas.openxmlformats.org/presentationml/2006/main">
   <p:cSld>
     <p:bg bwMode="auto">
       <p:bgPr>
@@ -11201,7 +11208,7 @@
         <p:nvSpPr>
           <p:cNvPr id="4098" name="Rectangle 2"/>
           <p:cNvSpPr>
-            <a:spLocks/>
+            <a:spLocks noGrp="1"/>
           </p:cNvSpPr>
           <p:nvPr>
             <p:ph type="title"/>
@@ -11247,7 +11254,7 @@
         <p:nvSpPr>
           <p:cNvPr id="4099" name="Rectangle 3"/>
           <p:cNvSpPr>
-            <a:spLocks/>
+            <a:spLocks noGrp="1"/>
           </p:cNvSpPr>
           <p:nvPr>
             <p:ph type="body" idx="1"/>
@@ -11329,7 +11336,7 @@
         <p:nvSpPr>
           <p:cNvPr id="4100" name="Rectangle 4"/>
           <p:cNvSpPr>
-            <a:spLocks/>
+            <a:spLocks noGrp="1"/>
           </p:cNvSpPr>
           <p:nvPr>
             <p:ph type="sldNum" sz="quarter" idx="2"/>
@@ -11809,7 +11816,7 @@
 </file>
 
 <file path=ppt/slideMasters/slideMaster5.xml><?xml version="1.0" encoding="utf-8"?>
-<p:sldMaster xmlns:a="http://schemas.openxmlformats.org/drawingml/2006/main" xmlns:r="http://schemas.openxmlformats.org/officeDocument/2006/relationships" xmlns:mc="http://schemas.openxmlformats.org/markup-compatibility/2006" xmlns:mv="urn:schemas-microsoft-com:mac:vml" xmlns:p="http://schemas.openxmlformats.org/presentationml/2006/main" mc:Ignorable="mv" mc:PreserveAttributes="mv:*">
+<p:sldMaster xmlns:a="http://schemas.openxmlformats.org/drawingml/2006/main" xmlns:r="http://schemas.openxmlformats.org/officeDocument/2006/relationships" xmlns:p="http://schemas.openxmlformats.org/presentationml/2006/main">
   <p:cSld>
     <p:bg bwMode="auto">
       <p:bgPr>
@@ -11875,7 +11882,7 @@
         <p:nvSpPr>
           <p:cNvPr id="5122" name="Rectangle 2"/>
           <p:cNvSpPr>
-            <a:spLocks/>
+            <a:spLocks noGrp="1"/>
           </p:cNvSpPr>
           <p:nvPr>
             <p:ph type="title"/>
@@ -11921,7 +11928,7 @@
         <p:nvSpPr>
           <p:cNvPr id="5123" name="Rectangle 3"/>
           <p:cNvSpPr>
-            <a:spLocks/>
+            <a:spLocks noGrp="1"/>
           </p:cNvSpPr>
           <p:nvPr>
             <p:ph type="body" idx="1"/>
@@ -12426,7 +12433,7 @@
 </file>
 
 <file path=ppt/slides/slide1.xml><?xml version="1.0" encoding="utf-8"?>
-<p:sld xmlns:a="http://schemas.openxmlformats.org/drawingml/2006/main" xmlns:r="http://schemas.openxmlformats.org/officeDocument/2006/relationships" xmlns:mc="http://schemas.openxmlformats.org/markup-compatibility/2006" xmlns:mv="urn:schemas-microsoft-com:mac:vml" xmlns:p="http://schemas.openxmlformats.org/presentationml/2006/main" mc:Ignorable="mv" mc:PreserveAttributes="mv:*">
+<p:sld xmlns:a="http://schemas.openxmlformats.org/drawingml/2006/main" xmlns:r="http://schemas.openxmlformats.org/officeDocument/2006/relationships" xmlns:p="http://schemas.openxmlformats.org/presentationml/2006/main">
   <p:cSld>
     <p:spTree>
       <p:nvGrpSpPr>
@@ -12446,7 +12453,7 @@
         <p:nvSpPr>
           <p:cNvPr id="7169" name="Rectangle 1"/>
           <p:cNvSpPr>
-            <a:spLocks noChangeArrowheads="1"/>
+            <a:spLocks noGrp="1" noChangeArrowheads="1"/>
           </p:cNvSpPr>
           <p:nvPr>
             <p:ph type="title"/>
@@ -12477,7 +12484,7 @@
         <p:nvSpPr>
           <p:cNvPr id="7170" name="Rectangle 2"/>
           <p:cNvSpPr>
-            <a:spLocks noChangeArrowheads="1"/>
+            <a:spLocks noGrp="1" noChangeArrowheads="1"/>
           </p:cNvSpPr>
           <p:nvPr>
             <p:ph type="body" idx="1"/>
@@ -12533,12 +12540,12 @@
   <p:clrMapOvr>
     <a:masterClrMapping/>
   </p:clrMapOvr>
-  <p:transition spd="med"/>
+  <p:transition xmlns:p14="http://schemas.microsoft.com/office/powerpoint/2010/main" spd="med"/>
 </p:sld>
 </file>
 
 <file path=ppt/slides/slide10.xml><?xml version="1.0" encoding="utf-8"?>
-<p:sld xmlns:a="http://schemas.openxmlformats.org/drawingml/2006/main" xmlns:r="http://schemas.openxmlformats.org/officeDocument/2006/relationships" xmlns:mc="http://schemas.openxmlformats.org/markup-compatibility/2006" xmlns:mv="urn:schemas-microsoft-com:mac:vml" xmlns:p="http://schemas.openxmlformats.org/presentationml/2006/main" mc:Ignorable="mv" mc:PreserveAttributes="mv:*">
+<p:sld xmlns:a="http://schemas.openxmlformats.org/drawingml/2006/main" xmlns:r="http://schemas.openxmlformats.org/officeDocument/2006/relationships" xmlns:p="http://schemas.openxmlformats.org/presentationml/2006/main">
   <p:cSld>
     <p:spTree>
       <p:nvGrpSpPr>
@@ -12556,9 +12563,9 @@
       </p:grpSpPr>
       <p:sp>
         <p:nvSpPr>
-          <p:cNvPr id="16385" name="Rectangle 1"/>
-          <p:cNvSpPr>
-            <a:spLocks noChangeArrowheads="1"/>
+          <p:cNvPr id="14337" name="Rectangle 1"/>
+          <p:cNvSpPr>
+            <a:spLocks noGrp="1" noChangeArrowheads="1"/>
           </p:cNvSpPr>
           <p:nvPr>
             <p:ph type="title"/>
@@ -12566,20 +12573,21 @@
         </p:nvSpPr>
         <p:spPr/>
         <p:txBody>
-          <a:bodyPr/>
+          <a:bodyPr lIns="0" tIns="0" rIns="0" bIns="0" anchor="b"/>
           <a:lstStyle/>
           <a:p>
-            <a:r>
-              <a:rPr lang="en-US" sz="6000" b="1">
+            <a:pPr defTabSz="773113"/>
+            <a:r>
+              <a:rPr lang="en-US" sz="6100" b="1">
                 <a:solidFill>
-                  <a:srgbClr val="595959"/>
+                  <a:srgbClr val="FFFFFF"/>
                 </a:solidFill>
                 <a:latin typeface="Arial" pitchFamily="-65" charset="0"/>
                 <a:ea typeface="Arial" pitchFamily="-65" charset="0"/>
                 <a:cs typeface="Arial" pitchFamily="-65" charset="0"/>
                 <a:sym typeface="Arial" pitchFamily="-65" charset="0"/>
               </a:rPr>
-              <a:t>Thank you</a:t>
+              <a:t>SAMPLE SOLUTIONS</a:t>
             </a:r>
             <a:endParaRPr lang="en-US"/>
           </a:p>
@@ -12587,9 +12595,9 @@
       </p:sp>
       <p:sp>
         <p:nvSpPr>
-          <p:cNvPr id="16386" name="Rectangle 2"/>
-          <p:cNvSpPr>
-            <a:spLocks noChangeArrowheads="1"/>
+          <p:cNvPr id="14338" name="Rectangle 2"/>
+          <p:cNvSpPr>
+            <a:spLocks noGrp="1" noChangeArrowheads="1"/>
           </p:cNvSpPr>
           <p:nvPr>
             <p:ph type="body" idx="1"/>
@@ -12597,25 +12605,56 @@
         </p:nvSpPr>
         <p:spPr/>
         <p:txBody>
-          <a:bodyPr/>
+          <a:bodyPr lIns="0" tIns="0" rIns="0" bIns="0"/>
           <a:lstStyle/>
           <a:p>
-            <a:pPr>
+            <a:pPr marL="455613" indent="-455613" defTabSz="773113">
               <a:spcBef>
-                <a:spcPts val="500"/>
+                <a:spcPts val="600"/>
               </a:spcBef>
+              <a:buClr>
+                <a:srgbClr val="FFFFFF"/>
+              </a:buClr>
+              <a:buSzPct val="80000"/>
+              <a:buFont typeface="Arial" pitchFamily="-65" charset="0"/>
+              <a:buChar char="•"/>
             </a:pPr>
             <a:r>
-              <a:rPr lang="en-US" sz="2400">
+              <a:rPr lang="en-US" sz="2700" b="1">
                 <a:solidFill>
-                  <a:srgbClr val="7F7F7F"/>
+                  <a:srgbClr val="FFFFFF"/>
                 </a:solidFill>
                 <a:latin typeface="Arial" pitchFamily="-65" charset="0"/>
                 <a:ea typeface="Arial" pitchFamily="-65" charset="0"/>
                 <a:cs typeface="Arial" pitchFamily="-65" charset="0"/>
                 <a:sym typeface="Arial" pitchFamily="-65" charset="0"/>
               </a:rPr>
-              <a:t>rcrooks@brightcove.com</a:t>
+              <a:t>API REQUEST BUILDER</a:t>
+            </a:r>
+          </a:p>
+          <a:p>
+            <a:pPr marL="455613" indent="-455613" defTabSz="773113">
+              <a:spcBef>
+                <a:spcPts val="600"/>
+              </a:spcBef>
+              <a:buClr>
+                <a:srgbClr val="FFFFFF"/>
+              </a:buClr>
+              <a:buSzPct val="80000"/>
+              <a:buFont typeface="Arial" pitchFamily="-65" charset="0"/>
+              <a:buChar char="•"/>
+            </a:pPr>
+            <a:r>
+              <a:rPr lang="en-US" sz="2700" b="1">
+                <a:solidFill>
+                  <a:srgbClr val="FFFFFF"/>
+                </a:solidFill>
+                <a:latin typeface="Arial" pitchFamily="-65" charset="0"/>
+                <a:ea typeface="Arial" pitchFamily="-65" charset="0"/>
+                <a:cs typeface="Arial" pitchFamily="-65" charset="0"/>
+                <a:sym typeface="Arial" pitchFamily="-65" charset="0"/>
+              </a:rPr>
+              <a:t>MOST POPULAR VIDEOS</a:t>
             </a:r>
             <a:endParaRPr lang="en-US"/>
           </a:p>
@@ -12626,12 +12665,12 @@
   <p:clrMapOvr>
     <a:masterClrMapping/>
   </p:clrMapOvr>
-  <p:transition spd="med"/>
+  <p:transition xmlns:p14="http://schemas.microsoft.com/office/powerpoint/2010/main" spd="med"/>
 </p:sld>
 </file>
 
-<file path=ppt/slides/slide2.xml><?xml version="1.0" encoding="utf-8"?>
-<p:sld xmlns:a="http://schemas.openxmlformats.org/drawingml/2006/main" xmlns:r="http://schemas.openxmlformats.org/officeDocument/2006/relationships" xmlns:mc="http://schemas.openxmlformats.org/markup-compatibility/2006" xmlns:mv="urn:schemas-microsoft-com:mac:vml" xmlns:p="http://schemas.openxmlformats.org/presentationml/2006/main" mc:Ignorable="mv" mc:PreserveAttributes="mv:*">
+<file path=ppt/slides/slide11.xml><?xml version="1.0" encoding="utf-8"?>
+<p:sld xmlns:a="http://schemas.openxmlformats.org/drawingml/2006/main" xmlns:r="http://schemas.openxmlformats.org/officeDocument/2006/relationships" xmlns:p="http://schemas.openxmlformats.org/presentationml/2006/main">
   <p:cSld>
     <p:spTree>
       <p:nvGrpSpPr>
@@ -12649,9 +12688,9 @@
       </p:grpSpPr>
       <p:sp>
         <p:nvSpPr>
-          <p:cNvPr id="8193" name="Rectangle 1"/>
-          <p:cNvSpPr>
-            <a:spLocks noChangeArrowheads="1"/>
+          <p:cNvPr id="15361" name="Rectangle 1"/>
+          <p:cNvSpPr>
+            <a:spLocks noGrp="1" noChangeArrowheads="1"/>
           </p:cNvSpPr>
           <p:nvPr>
             <p:ph type="title"/>
@@ -12678,7 +12717,7 @@
                 <a:cs typeface="Arial" pitchFamily="-65" charset="0"/>
                 <a:sym typeface="Arial" pitchFamily="-65" charset="0"/>
               </a:rPr>
-              <a:t>AGENDA</a:t>
+              <a:t>TWO BASIC CATEGORIES OF SOLUTIONS</a:t>
             </a:r>
             <a:endParaRPr lang="en-US"/>
           </a:p>
@@ -12686,9 +12725,9 @@
       </p:sp>
       <p:sp>
         <p:nvSpPr>
-          <p:cNvPr id="8194" name="Rectangle 2"/>
-          <p:cNvSpPr>
-            <a:spLocks noChangeArrowheads="1"/>
+          <p:cNvPr id="15362" name="Rectangle 2"/>
+          <p:cNvSpPr>
+            <a:spLocks noGrp="1" noChangeArrowheads="1"/>
           </p:cNvSpPr>
           <p:nvPr>
             <p:ph type="body" idx="1"/>
@@ -12696,8 +12735,8 @@
         </p:nvSpPr>
         <p:spPr>
           <a:xfrm>
-            <a:off x="541338" y="1909763"/>
-            <a:ext cx="15876587" cy="6202362"/>
+            <a:off x="541338" y="2271713"/>
+            <a:ext cx="7966075" cy="5840412"/>
           </a:xfrm>
         </p:spPr>
         <p:txBody>
@@ -12724,7 +12763,55 @@
                 <a:cs typeface="Arial" pitchFamily="-65" charset="0"/>
                 <a:sym typeface="Arial" pitchFamily="-65" charset="0"/>
               </a:rPr>
-              <a:t>The new analytics API</a:t>
+              <a:t>Custom Reports</a:t>
+            </a:r>
+          </a:p>
+          <a:p>
+            <a:pPr marL="758825" lvl="1" indent="-273050" defTabSz="773113">
+              <a:spcBef>
+                <a:spcPts val="500"/>
+              </a:spcBef>
+              <a:buSzPct val="60000"/>
+              <a:buFontTx/>
+              <a:buBlip>
+                <a:blip r:embed="rId3"/>
+              </a:buBlip>
+            </a:pPr>
+            <a:r>
+              <a:rPr lang="en-US" sz="2400">
+                <a:solidFill>
+                  <a:srgbClr val="606163"/>
+                </a:solidFill>
+                <a:latin typeface="Arial" pitchFamily="-65" charset="0"/>
+                <a:ea typeface="Arial" pitchFamily="-65" charset="0"/>
+                <a:cs typeface="Arial" pitchFamily="-65" charset="0"/>
+                <a:sym typeface="Arial" pitchFamily="-65" charset="0"/>
+              </a:rPr>
+              <a:t>Get a specific data-set that the built-in reports don’t provide</a:t>
+            </a:r>
+          </a:p>
+          <a:p>
+            <a:pPr marL="758825" lvl="1" indent="-273050" defTabSz="773113">
+              <a:spcBef>
+                <a:spcPts val="500"/>
+              </a:spcBef>
+              <a:buSzPct val="60000"/>
+              <a:buFontTx/>
+              <a:buBlip>
+                <a:blip r:embed="rId3"/>
+              </a:buBlip>
+            </a:pPr>
+            <a:r>
+              <a:rPr lang="en-US" sz="2400">
+                <a:solidFill>
+                  <a:srgbClr val="606163"/>
+                </a:solidFill>
+                <a:latin typeface="Arial" pitchFamily="-65" charset="0"/>
+                <a:ea typeface="Arial" pitchFamily="-65" charset="0"/>
+                <a:cs typeface="Arial" pitchFamily="-65" charset="0"/>
+                <a:sym typeface="Arial" pitchFamily="-65" charset="0"/>
+              </a:rPr>
+              <a:t>Represent the data differently</a:t>
             </a:r>
           </a:p>
           <a:p>
@@ -12748,9 +12835,270 @@
                 <a:cs typeface="Arial" pitchFamily="-65" charset="0"/>
                 <a:sym typeface="Arial" pitchFamily="-65" charset="0"/>
               </a:rPr>
-              <a:t>Analytics API solutions</a:t>
+              <a:t>Example:</a:t>
+            </a:r>
+          </a:p>
+          <a:p>
+            <a:pPr marL="273050" indent="-273050" defTabSz="773113">
+              <a:spcBef>
+                <a:spcPts val="600"/>
+              </a:spcBef>
+              <a:buSzPct val="80000"/>
+              <a:buFontTx/>
+              <a:buBlip>
+                <a:blip r:embed="rId2"/>
+              </a:buBlip>
+            </a:pPr>
+            <a:r>
+              <a:rPr lang="en-US" sz="2400" u="sng">
+                <a:solidFill>
+                  <a:srgbClr val="0000FF"/>
+                </a:solidFill>
+                <a:latin typeface="Arial" pitchFamily="-65" charset="0"/>
+                <a:ea typeface="Arial" pitchFamily="-65" charset="0"/>
+                <a:cs typeface="Arial" pitchFamily="-65" charset="0"/>
+                <a:sym typeface="Arial" pitchFamily="-65" charset="0"/>
+                <a:hlinkClick r:id="rId4"/>
+              </a:rPr>
+              <a:t>http://solutions.brightcove.com/bcls/analytics-api/video-reports-by-player-and-day/video-reports-by-player-and-day.html</a:t>
+            </a:r>
+            <a:r>
+              <a:rPr lang="en-US" sz="2400">
+                <a:solidFill>
+                  <a:srgbClr val="606163"/>
+                </a:solidFill>
+                <a:latin typeface="Arial" pitchFamily="-65" charset="0"/>
+                <a:ea typeface="Arial" pitchFamily="-65" charset="0"/>
+                <a:cs typeface="Arial" pitchFamily="-65" charset="0"/>
+                <a:sym typeface="Arial" pitchFamily="-65" charset="0"/>
+              </a:rPr>
+              <a:t> </a:t>
             </a:r>
             <a:endParaRPr lang="en-US"/>
+          </a:p>
+        </p:txBody>
+      </p:sp>
+      <p:sp>
+        <p:nvSpPr>
+          <p:cNvPr id="15363" name="AutoShape 3"/>
+          <p:cNvSpPr>
+            <a:spLocks/>
+          </p:cNvSpPr>
+          <p:nvPr/>
+        </p:nvSpPr>
+        <p:spPr bwMode="auto">
+          <a:xfrm>
+            <a:off x="9194800" y="2271713"/>
+            <a:ext cx="7543801" cy="3716337"/>
+          </a:xfrm>
+          <a:custGeom>
+            <a:avLst/>
+            <a:gdLst>
+              <a:gd name="T0" fmla="*/ 10800 w 21600"/>
+              <a:gd name="T1" fmla="*/ 10800 h 21600"/>
+              <a:gd name="T2" fmla="*/ 10800 w 21600"/>
+              <a:gd name="T3" fmla="*/ 10800 h 21600"/>
+              <a:gd name="T4" fmla="*/ 10800 w 21600"/>
+              <a:gd name="T5" fmla="*/ 10800 h 21600"/>
+              <a:gd name="T6" fmla="*/ 10800 w 21600"/>
+              <a:gd name="T7" fmla="*/ 10800 h 21600"/>
+            </a:gdLst>
+            <a:ahLst/>
+            <a:cxnLst>
+              <a:cxn ang="0">
+                <a:pos x="T0" y="T1"/>
+              </a:cxn>
+              <a:cxn ang="0">
+                <a:pos x="T2" y="T3"/>
+              </a:cxn>
+              <a:cxn ang="0">
+                <a:pos x="T4" y="T5"/>
+              </a:cxn>
+              <a:cxn ang="0">
+                <a:pos x="T6" y="T7"/>
+              </a:cxn>
+            </a:cxnLst>
+            <a:rect l="0" t="0" r="r" b="b"/>
+            <a:pathLst>
+              <a:path w="21600" h="21600">
+                <a:moveTo>
+                  <a:pt x="0" y="0"/>
+                </a:moveTo>
+                <a:lnTo>
+                  <a:pt x="21599" y="0"/>
+                </a:lnTo>
+                <a:lnTo>
+                  <a:pt x="21599" y="21600"/>
+                </a:lnTo>
+                <a:lnTo>
+                  <a:pt x="0" y="21600"/>
+                </a:lnTo>
+                <a:close/>
+              </a:path>
+            </a:pathLst>
+          </a:custGeom>
+          <a:noFill/>
+          <a:ln w="12700" cap="flat" cmpd="sng">
+            <a:noFill/>
+            <a:prstDash val="solid"/>
+            <a:miter lim="0"/>
+            <a:headEnd/>
+            <a:tailEnd/>
+          </a:ln>
+          <a:effectLst/>
+        </p:spPr>
+        <p:txBody>
+          <a:bodyPr lIns="77353" tIns="77353" rIns="77353" bIns="77353">
+            <a:prstTxWarp prst="textNoShape">
+              <a:avLst/>
+            </a:prstTxWarp>
+          </a:bodyPr>
+          <a:lstStyle/>
+          <a:p>
+            <a:pPr marL="273050" indent="-273050">
+              <a:spcBef>
+                <a:spcPts val="600"/>
+              </a:spcBef>
+              <a:buSzPct val="80000"/>
+              <a:buFontTx/>
+              <a:buBlip>
+                <a:blip r:embed="rId2"/>
+              </a:buBlip>
+            </a:pPr>
+            <a:r>
+              <a:rPr lang="en-US" sz="2400" dirty="0">
+                <a:solidFill>
+                  <a:srgbClr val="606163"/>
+                </a:solidFill>
+                <a:latin typeface="Arial" pitchFamily="-65" charset="0"/>
+                <a:ea typeface="Arial" pitchFamily="-65" charset="0"/>
+                <a:cs typeface="Arial" pitchFamily="-65" charset="0"/>
+                <a:sym typeface="Arial" pitchFamily="-65" charset="0"/>
+              </a:rPr>
+              <a:t>Do something (like create a playlist) based on analytics data</a:t>
+            </a:r>
+          </a:p>
+          <a:p>
+            <a:pPr marL="758825" lvl="1" indent="-273050">
+              <a:spcBef>
+                <a:spcPts val="500"/>
+              </a:spcBef>
+              <a:buSzPct val="60000"/>
+              <a:buFontTx/>
+              <a:buBlip>
+                <a:blip r:embed="rId3"/>
+              </a:buBlip>
+            </a:pPr>
+            <a:r>
+              <a:rPr lang="en-US" sz="2400" dirty="0">
+                <a:solidFill>
+                  <a:srgbClr val="606163"/>
+                </a:solidFill>
+                <a:latin typeface="Arial" pitchFamily="-65" charset="0"/>
+                <a:ea typeface="Arial" pitchFamily="-65" charset="0"/>
+                <a:cs typeface="Arial" pitchFamily="-65" charset="0"/>
+                <a:sym typeface="Arial" pitchFamily="-65" charset="0"/>
+              </a:rPr>
+              <a:t>Most popular videos</a:t>
+            </a:r>
+          </a:p>
+          <a:p>
+            <a:pPr marL="758825" lvl="1" indent="-273050">
+              <a:spcBef>
+                <a:spcPts val="500"/>
+              </a:spcBef>
+              <a:buSzPct val="60000"/>
+              <a:buFontTx/>
+              <a:buBlip>
+                <a:blip r:embed="rId3"/>
+              </a:buBlip>
+            </a:pPr>
+            <a:r>
+              <a:rPr lang="en-US" sz="2400" dirty="0">
+                <a:solidFill>
+                  <a:srgbClr val="606163"/>
+                </a:solidFill>
+                <a:latin typeface="Arial" pitchFamily="-65" charset="0"/>
+                <a:ea typeface="Arial" pitchFamily="-65" charset="0"/>
+                <a:cs typeface="Arial" pitchFamily="-65" charset="0"/>
+                <a:sym typeface="Arial" pitchFamily="-65" charset="0"/>
+              </a:rPr>
+              <a:t>Trending videos</a:t>
+            </a:r>
+          </a:p>
+          <a:p>
+            <a:pPr marL="758825" lvl="1" indent="-273050">
+              <a:spcBef>
+                <a:spcPts val="500"/>
+              </a:spcBef>
+              <a:buSzPct val="60000"/>
+              <a:buFontTx/>
+              <a:buBlip>
+                <a:blip r:embed="rId3"/>
+              </a:buBlip>
+            </a:pPr>
+            <a:r>
+              <a:rPr lang="en-US" sz="2400" dirty="0">
+                <a:solidFill>
+                  <a:srgbClr val="606163"/>
+                </a:solidFill>
+                <a:latin typeface="Arial" pitchFamily="-65" charset="0"/>
+                <a:ea typeface="Arial" pitchFamily="-65" charset="0"/>
+                <a:cs typeface="Arial" pitchFamily="-65" charset="0"/>
+                <a:sym typeface="Arial" pitchFamily="-65" charset="0"/>
+              </a:rPr>
+              <a:t>Choose most popular among a set of relevant videos</a:t>
+            </a:r>
+          </a:p>
+          <a:p>
+            <a:pPr marL="273050" indent="-273050">
+              <a:spcBef>
+                <a:spcPts val="600"/>
+              </a:spcBef>
+              <a:buSzPct val="80000"/>
+              <a:buFontTx/>
+              <a:buBlip>
+                <a:blip r:embed="rId2"/>
+              </a:buBlip>
+            </a:pPr>
+            <a:r>
+              <a:rPr lang="en-US" sz="2400" dirty="0">
+                <a:solidFill>
+                  <a:srgbClr val="606163"/>
+                </a:solidFill>
+                <a:latin typeface="Arial" pitchFamily="-65" charset="0"/>
+                <a:ea typeface="Arial" pitchFamily="-65" charset="0"/>
+                <a:cs typeface="Arial" pitchFamily="-65" charset="0"/>
+                <a:sym typeface="Arial" pitchFamily="-65" charset="0"/>
+              </a:rPr>
+              <a:t>Example</a:t>
+            </a:r>
+          </a:p>
+          <a:p>
+            <a:pPr marL="273050" indent="-273050">
+              <a:spcBef>
+                <a:spcPts val="600"/>
+              </a:spcBef>
+              <a:buSzPct val="80000"/>
+              <a:buFontTx/>
+              <a:buBlip>
+                <a:blip r:embed="rId2"/>
+              </a:buBlip>
+            </a:pPr>
+            <a:r>
+              <a:rPr lang="en-US" sz="2400" u="sng" dirty="0">
+                <a:solidFill>
+                  <a:srgbClr val="0000FF"/>
+                </a:solidFill>
+                <a:latin typeface="Arial" pitchFamily="-65" charset="0"/>
+                <a:ea typeface="Arial" pitchFamily="-65" charset="0"/>
+                <a:cs typeface="Arial" pitchFamily="-65" charset="0"/>
+                <a:sym typeface="Arial" pitchFamily="-65" charset="0"/>
+                <a:hlinkClick r:id="rId5"/>
+              </a:rPr>
+              <a:t>http://solutions.brightcove.com/bcls/analytics-api/most-popular-videos.html</a:t>
+            </a:r>
+            <a:endParaRPr lang="en-US" dirty="0"/>
           </a:p>
         </p:txBody>
       </p:sp>
@@ -12759,12 +13107,12 @@
   <p:clrMapOvr>
     <a:masterClrMapping/>
   </p:clrMapOvr>
-  <p:transition spd="med"/>
+  <p:transition xmlns:p14="http://schemas.microsoft.com/office/powerpoint/2010/main" spd="med"/>
 </p:sld>
 </file>
 
-<file path=ppt/slides/slide3.xml><?xml version="1.0" encoding="utf-8"?>
-<p:sld xmlns:a="http://schemas.openxmlformats.org/drawingml/2006/main" xmlns:r="http://schemas.openxmlformats.org/officeDocument/2006/relationships" xmlns:mc="http://schemas.openxmlformats.org/markup-compatibility/2006" xmlns:mv="urn:schemas-microsoft-com:mac:vml" xmlns:p="http://schemas.openxmlformats.org/presentationml/2006/main" mc:Ignorable="mv" mc:PreserveAttributes="mv:*">
+<file path=ppt/slides/slide12.xml><?xml version="1.0" encoding="utf-8"?>
+<p:sld xmlns:a="http://schemas.openxmlformats.org/drawingml/2006/main" xmlns:r="http://schemas.openxmlformats.org/officeDocument/2006/relationships" xmlns:p="http://schemas.openxmlformats.org/presentationml/2006/main">
   <p:cSld>
     <p:spTree>
       <p:nvGrpSpPr>
@@ -12782,9 +13130,9 @@
       </p:grpSpPr>
       <p:sp>
         <p:nvSpPr>
-          <p:cNvPr id="9217" name="Rectangle 1"/>
-          <p:cNvSpPr>
-            <a:spLocks noChangeArrowheads="1"/>
+          <p:cNvPr id="16385" name="Rectangle 1"/>
+          <p:cNvSpPr>
+            <a:spLocks noGrp="1" noChangeArrowheads="1"/>
           </p:cNvSpPr>
           <p:nvPr>
             <p:ph type="title"/>
@@ -12795,18 +13143,53 @@
           <a:bodyPr/>
           <a:lstStyle/>
           <a:p>
-            <a:pPr defTabSz="773113"/>
-            <a:r>
-              <a:rPr lang="en-US" sz="6000">
+            <a:r>
+              <a:rPr lang="en-US" sz="6000" b="1">
                 <a:solidFill>
-                  <a:srgbClr val="FFFFFF"/>
+                  <a:srgbClr val="595959"/>
                 </a:solidFill>
                 <a:latin typeface="Arial" pitchFamily="-65" charset="0"/>
                 <a:ea typeface="Arial" pitchFamily="-65" charset="0"/>
                 <a:cs typeface="Arial" pitchFamily="-65" charset="0"/>
                 <a:sym typeface="Arial" pitchFamily="-65" charset="0"/>
               </a:rPr>
-              <a:t>The New Analytics API</a:t>
+              <a:t>Thank you</a:t>
+            </a:r>
+            <a:endParaRPr lang="en-US"/>
+          </a:p>
+        </p:txBody>
+      </p:sp>
+      <p:sp>
+        <p:nvSpPr>
+          <p:cNvPr id="16386" name="Rectangle 2"/>
+          <p:cNvSpPr>
+            <a:spLocks noGrp="1" noChangeArrowheads="1"/>
+          </p:cNvSpPr>
+          <p:nvPr>
+            <p:ph type="body" idx="1"/>
+          </p:nvPr>
+        </p:nvSpPr>
+        <p:spPr/>
+        <p:txBody>
+          <a:bodyPr/>
+          <a:lstStyle/>
+          <a:p>
+            <a:pPr>
+              <a:spcBef>
+                <a:spcPts val="500"/>
+              </a:spcBef>
+            </a:pPr>
+            <a:r>
+              <a:rPr lang="en-US" sz="2400">
+                <a:solidFill>
+                  <a:srgbClr val="7F7F7F"/>
+                </a:solidFill>
+                <a:latin typeface="Arial" pitchFamily="-65" charset="0"/>
+                <a:ea typeface="Arial" pitchFamily="-65" charset="0"/>
+                <a:cs typeface="Arial" pitchFamily="-65" charset="0"/>
+                <a:sym typeface="Arial" pitchFamily="-65" charset="0"/>
+              </a:rPr>
+              <a:t>rcrooks@brightcove.com</a:t>
             </a:r>
             <a:endParaRPr lang="en-US"/>
           </a:p>
@@ -12817,12 +13200,12 @@
   <p:clrMapOvr>
     <a:masterClrMapping/>
   </p:clrMapOvr>
-  <p:transition spd="med"/>
+  <p:transition xmlns:p14="http://schemas.microsoft.com/office/powerpoint/2010/main" spd="med"/>
 </p:sld>
 </file>
 
-<file path=ppt/slides/slide4.xml><?xml version="1.0" encoding="utf-8"?>
-<p:sld xmlns:a="http://schemas.openxmlformats.org/drawingml/2006/main" xmlns:r="http://schemas.openxmlformats.org/officeDocument/2006/relationships" xmlns:mc="http://schemas.openxmlformats.org/markup-compatibility/2006" xmlns:mv="urn:schemas-microsoft-com:mac:vml" xmlns:p="http://schemas.openxmlformats.org/presentationml/2006/main" mc:Ignorable="mv" mc:PreserveAttributes="mv:*">
+<file path=ppt/slides/slide2.xml><?xml version="1.0" encoding="utf-8"?>
+<p:sld xmlns:a="http://schemas.openxmlformats.org/drawingml/2006/main" xmlns:r="http://schemas.openxmlformats.org/officeDocument/2006/relationships" xmlns:p="http://schemas.openxmlformats.org/presentationml/2006/main">
   <p:cSld>
     <p:spTree>
       <p:nvGrpSpPr>
@@ -12840,9 +13223,405 @@
       </p:grpSpPr>
       <p:sp>
         <p:nvSpPr>
+          <p:cNvPr id="8193" name="Rectangle 1"/>
+          <p:cNvSpPr>
+            <a:spLocks noGrp="1" noChangeArrowheads="1"/>
+          </p:cNvSpPr>
+          <p:nvPr>
+            <p:ph type="title"/>
+          </p:nvPr>
+        </p:nvSpPr>
+        <p:spPr>
+          <a:xfrm>
+            <a:off x="776288" y="300038"/>
+            <a:ext cx="14489112" cy="1449387"/>
+          </a:xfrm>
+        </p:spPr>
+        <p:txBody>
+          <a:bodyPr lIns="0" tIns="0" rIns="0" bIns="0"/>
+          <a:lstStyle/>
+          <a:p>
+            <a:pPr defTabSz="773113"/>
+            <a:r>
+              <a:rPr lang="en-US" sz="3600" b="1">
+                <a:solidFill>
+                  <a:srgbClr val="606163"/>
+                </a:solidFill>
+                <a:latin typeface="Arial" pitchFamily="-65" charset="0"/>
+                <a:ea typeface="Arial" pitchFamily="-65" charset="0"/>
+                <a:cs typeface="Arial" pitchFamily="-65" charset="0"/>
+                <a:sym typeface="Arial" pitchFamily="-65" charset="0"/>
+              </a:rPr>
+              <a:t>AGENDA</a:t>
+            </a:r>
+            <a:endParaRPr lang="en-US"/>
+          </a:p>
+        </p:txBody>
+      </p:sp>
+      <p:sp>
+        <p:nvSpPr>
+          <p:cNvPr id="8194" name="Rectangle 2"/>
+          <p:cNvSpPr>
+            <a:spLocks noGrp="1" noChangeArrowheads="1"/>
+          </p:cNvSpPr>
+          <p:nvPr>
+            <p:ph type="body" idx="1"/>
+          </p:nvPr>
+        </p:nvSpPr>
+        <p:spPr>
+          <a:xfrm>
+            <a:off x="541338" y="1909763"/>
+            <a:ext cx="15876587" cy="6202362"/>
+          </a:xfrm>
+        </p:spPr>
+        <p:txBody>
+          <a:bodyPr lIns="0" tIns="0" rIns="0" bIns="0"/>
+          <a:lstStyle/>
+          <a:p>
+            <a:pPr marL="273050" indent="-273050" defTabSz="773113">
+              <a:spcBef>
+                <a:spcPts val="600"/>
+              </a:spcBef>
+              <a:buSzPct val="80000"/>
+              <a:buFontTx/>
+              <a:buBlip>
+                <a:blip r:embed="rId2"/>
+              </a:buBlip>
+            </a:pPr>
+            <a:r>
+              <a:rPr lang="en-US" sz="2400" dirty="0" smtClean="0">
+                <a:solidFill>
+                  <a:srgbClr val="606163"/>
+                </a:solidFill>
+                <a:latin typeface="Arial" pitchFamily="-65" charset="0"/>
+                <a:ea typeface="Arial" pitchFamily="-65" charset="0"/>
+                <a:cs typeface="Arial" pitchFamily="-65" charset="0"/>
+                <a:sym typeface="Arial" pitchFamily="-65" charset="0"/>
+              </a:rPr>
+              <a:t>The Analytics Module</a:t>
+            </a:r>
+          </a:p>
+          <a:p>
+            <a:pPr marL="273050" indent="-273050" defTabSz="773113">
+              <a:spcBef>
+                <a:spcPts val="600"/>
+              </a:spcBef>
+              <a:buSzPct val="80000"/>
+              <a:buFontTx/>
+              <a:buBlip>
+                <a:blip r:embed="rId2"/>
+              </a:buBlip>
+            </a:pPr>
+            <a:r>
+              <a:rPr lang="en-US" sz="2400" dirty="0" smtClean="0">
+                <a:solidFill>
+                  <a:srgbClr val="606163"/>
+                </a:solidFill>
+                <a:latin typeface="Arial" pitchFamily="-65" charset="0"/>
+                <a:ea typeface="Arial" pitchFamily="-65" charset="0"/>
+                <a:cs typeface="Arial" pitchFamily="-65" charset="0"/>
+                <a:sym typeface="Arial" pitchFamily="-65" charset="0"/>
+              </a:rPr>
+              <a:t>The Analytics API</a:t>
+            </a:r>
+            <a:endParaRPr lang="en-US" sz="2400" dirty="0">
+              <a:solidFill>
+                <a:srgbClr val="606163"/>
+              </a:solidFill>
+              <a:latin typeface="Arial" pitchFamily="-65" charset="0"/>
+              <a:ea typeface="Arial" pitchFamily="-65" charset="0"/>
+              <a:cs typeface="Arial" pitchFamily="-65" charset="0"/>
+              <a:sym typeface="Arial" pitchFamily="-65" charset="0"/>
+            </a:endParaRPr>
+          </a:p>
+          <a:p>
+            <a:pPr marL="273050" indent="-273050" defTabSz="773113">
+              <a:spcBef>
+                <a:spcPts val="600"/>
+              </a:spcBef>
+              <a:buSzPct val="80000"/>
+              <a:buFontTx/>
+              <a:buBlip>
+                <a:blip r:embed="rId2"/>
+              </a:buBlip>
+            </a:pPr>
+            <a:r>
+              <a:rPr lang="en-US" sz="2400" dirty="0">
+                <a:solidFill>
+                  <a:srgbClr val="606163"/>
+                </a:solidFill>
+                <a:latin typeface="Arial" pitchFamily="-65" charset="0"/>
+                <a:ea typeface="Arial" pitchFamily="-65" charset="0"/>
+                <a:cs typeface="Arial" pitchFamily="-65" charset="0"/>
+                <a:sym typeface="Arial" pitchFamily="-65" charset="0"/>
+              </a:rPr>
+              <a:t>Analytics API solutions</a:t>
+            </a:r>
+            <a:endParaRPr lang="en-US" dirty="0"/>
+          </a:p>
+        </p:txBody>
+      </p:sp>
+    </p:spTree>
+  </p:cSld>
+  <p:clrMapOvr>
+    <a:masterClrMapping/>
+  </p:clrMapOvr>
+  <p:transition xmlns:p14="http://schemas.microsoft.com/office/powerpoint/2010/main" spd="med"/>
+</p:sld>
+</file>
+
+<file path=ppt/slides/slide3.xml><?xml version="1.0" encoding="utf-8"?>
+<p:sld xmlns:a="http://schemas.openxmlformats.org/drawingml/2006/main" xmlns:r="http://schemas.openxmlformats.org/officeDocument/2006/relationships" xmlns:p="http://schemas.openxmlformats.org/presentationml/2006/main">
+  <p:cSld>
+    <p:spTree>
+      <p:nvGrpSpPr>
+        <p:cNvPr id="1" name=""/>
+        <p:cNvGrpSpPr/>
+        <p:nvPr/>
+      </p:nvGrpSpPr>
+      <p:grpSpPr>
+        <a:xfrm>
+          <a:off x="0" y="0"/>
+          <a:ext cx="0" cy="0"/>
+          <a:chOff x="0" y="0"/>
+          <a:chExt cx="0" cy="0"/>
+        </a:xfrm>
+      </p:grpSpPr>
+      <p:sp>
+        <p:nvSpPr>
+          <p:cNvPr id="9217" name="Rectangle 1"/>
+          <p:cNvSpPr>
+            <a:spLocks noGrp="1" noChangeArrowheads="1"/>
+          </p:cNvSpPr>
+          <p:nvPr>
+            <p:ph type="title"/>
+          </p:nvPr>
+        </p:nvSpPr>
+        <p:spPr/>
+        <p:txBody>
+          <a:bodyPr/>
+          <a:lstStyle/>
+          <a:p>
+            <a:pPr defTabSz="773113"/>
+            <a:r>
+              <a:rPr lang="en-US" sz="6000" dirty="0">
+                <a:solidFill>
+                  <a:srgbClr val="FFFFFF"/>
+                </a:solidFill>
+                <a:latin typeface="Arial" pitchFamily="-65" charset="0"/>
+                <a:ea typeface="Arial" pitchFamily="-65" charset="0"/>
+                <a:cs typeface="Arial" pitchFamily="-65" charset="0"/>
+                <a:sym typeface="Arial" pitchFamily="-65" charset="0"/>
+              </a:rPr>
+              <a:t>The </a:t>
+            </a:r>
+            <a:r>
+              <a:rPr lang="en-US" sz="6000" dirty="0" smtClean="0">
+                <a:solidFill>
+                  <a:srgbClr val="FFFFFF"/>
+                </a:solidFill>
+                <a:latin typeface="Arial" pitchFamily="-65" charset="0"/>
+                <a:ea typeface="Arial" pitchFamily="-65" charset="0"/>
+                <a:cs typeface="Arial" pitchFamily="-65" charset="0"/>
+                <a:sym typeface="Arial" pitchFamily="-65" charset="0"/>
+              </a:rPr>
+              <a:t>Analytics </a:t>
+            </a:r>
+            <a:r>
+              <a:rPr lang="en-US" sz="6000" dirty="0">
+                <a:solidFill>
+                  <a:srgbClr val="FFFFFF"/>
+                </a:solidFill>
+                <a:latin typeface="Arial" pitchFamily="-65" charset="0"/>
+                <a:ea typeface="Arial" pitchFamily="-65" charset="0"/>
+                <a:cs typeface="Arial" pitchFamily="-65" charset="0"/>
+                <a:sym typeface="Arial" pitchFamily="-65" charset="0"/>
+              </a:rPr>
+              <a:t>API</a:t>
+            </a:r>
+            <a:endParaRPr lang="en-US" dirty="0"/>
+          </a:p>
+        </p:txBody>
+      </p:sp>
+    </p:spTree>
+    <p:extLst>
+      <p:ext uri="{BB962C8B-B14F-4D97-AF65-F5344CB8AC3E}">
+        <p14:creationId xmlns:p14="http://schemas.microsoft.com/office/powerpoint/2010/main" val="708564638"/>
+      </p:ext>
+    </p:extLst>
+  </p:cSld>
+  <p:clrMapOvr>
+    <a:masterClrMapping/>
+  </p:clrMapOvr>
+  <p:transition xmlns:p14="http://schemas.microsoft.com/office/powerpoint/2010/main" spd="med"/>
+</p:sld>
+</file>
+
+<file path=ppt/slides/slide4.xml><?xml version="1.0" encoding="utf-8"?>
+<p:sld xmlns:a="http://schemas.openxmlformats.org/drawingml/2006/main" xmlns:r="http://schemas.openxmlformats.org/officeDocument/2006/relationships" xmlns:p="http://schemas.openxmlformats.org/presentationml/2006/main">
+  <p:cSld>
+    <p:spTree>
+      <p:nvGrpSpPr>
+        <p:cNvPr id="1" name=""/>
+        <p:cNvGrpSpPr/>
+        <p:nvPr/>
+      </p:nvGrpSpPr>
+      <p:grpSpPr>
+        <a:xfrm>
+          <a:off x="0" y="0"/>
+          <a:ext cx="0" cy="0"/>
+          <a:chOff x="0" y="0"/>
+          <a:chExt cx="0" cy="0"/>
+        </a:xfrm>
+      </p:grpSpPr>
+      <p:sp>
+        <p:nvSpPr>
+          <p:cNvPr id="2" name="Title 1"/>
+          <p:cNvSpPr>
+            <a:spLocks noGrp="1"/>
+          </p:cNvSpPr>
+          <p:nvPr>
+            <p:ph type="title"/>
+          </p:nvPr>
+        </p:nvSpPr>
+        <p:spPr/>
+        <p:txBody>
+          <a:bodyPr/>
+          <a:lstStyle/>
+          <a:p>
+            <a:r>
+              <a:rPr lang="en-US" sz="5400" dirty="0" smtClean="0">
+                <a:solidFill>
+                  <a:schemeClr val="bg1"/>
+                </a:solidFill>
+              </a:rPr>
+              <a:t>The Analytics Module</a:t>
+            </a:r>
+            <a:endParaRPr lang="en-US" sz="5400" dirty="0">
+              <a:solidFill>
+                <a:schemeClr val="bg1"/>
+              </a:solidFill>
+            </a:endParaRPr>
+          </a:p>
+        </p:txBody>
+      </p:sp>
+    </p:spTree>
+    <p:extLst>
+      <p:ext uri="{BB962C8B-B14F-4D97-AF65-F5344CB8AC3E}">
+        <p14:creationId xmlns:p14="http://schemas.microsoft.com/office/powerpoint/2010/main" val="1283570950"/>
+      </p:ext>
+    </p:extLst>
+  </p:cSld>
+  <p:clrMapOvr>
+    <a:masterClrMapping/>
+  </p:clrMapOvr>
+</p:sld>
+</file>
+
+<file path=ppt/slides/slide5.xml><?xml version="1.0" encoding="utf-8"?>
+<p:sld xmlns:a="http://schemas.openxmlformats.org/drawingml/2006/main" xmlns:r="http://schemas.openxmlformats.org/officeDocument/2006/relationships" xmlns:p="http://schemas.openxmlformats.org/presentationml/2006/main">
+  <p:cSld>
+    <p:spTree>
+      <p:nvGrpSpPr>
+        <p:cNvPr id="1" name=""/>
+        <p:cNvGrpSpPr/>
+        <p:nvPr/>
+      </p:nvGrpSpPr>
+      <p:grpSpPr>
+        <a:xfrm>
+          <a:off x="0" y="0"/>
+          <a:ext cx="0" cy="0"/>
+          <a:chOff x="0" y="0"/>
+          <a:chExt cx="0" cy="0"/>
+        </a:xfrm>
+      </p:grpSpPr>
+      <p:sp>
+        <p:nvSpPr>
+          <p:cNvPr id="9217" name="Rectangle 1"/>
+          <p:cNvSpPr>
+            <a:spLocks noGrp="1" noChangeArrowheads="1"/>
+          </p:cNvSpPr>
+          <p:nvPr>
+            <p:ph type="title"/>
+          </p:nvPr>
+        </p:nvSpPr>
+        <p:spPr/>
+        <p:txBody>
+          <a:bodyPr/>
+          <a:lstStyle/>
+          <a:p>
+            <a:pPr defTabSz="773113"/>
+            <a:r>
+              <a:rPr lang="en-US" sz="6000" dirty="0">
+                <a:solidFill>
+                  <a:srgbClr val="FFFFFF"/>
+                </a:solidFill>
+                <a:latin typeface="Arial" pitchFamily="-65" charset="0"/>
+                <a:ea typeface="Arial" pitchFamily="-65" charset="0"/>
+                <a:cs typeface="Arial" pitchFamily="-65" charset="0"/>
+                <a:sym typeface="Arial" pitchFamily="-65" charset="0"/>
+              </a:rPr>
+              <a:t>The </a:t>
+            </a:r>
+            <a:r>
+              <a:rPr lang="en-US" sz="6000" dirty="0" smtClean="0">
+                <a:solidFill>
+                  <a:srgbClr val="FFFFFF"/>
+                </a:solidFill>
+                <a:latin typeface="Arial" pitchFamily="-65" charset="0"/>
+                <a:ea typeface="Arial" pitchFamily="-65" charset="0"/>
+                <a:cs typeface="Arial" pitchFamily="-65" charset="0"/>
+                <a:sym typeface="Arial" pitchFamily="-65" charset="0"/>
+              </a:rPr>
+              <a:t>Analytics </a:t>
+            </a:r>
+            <a:r>
+              <a:rPr lang="en-US" sz="6000" dirty="0">
+                <a:solidFill>
+                  <a:srgbClr val="FFFFFF"/>
+                </a:solidFill>
+                <a:latin typeface="Arial" pitchFamily="-65" charset="0"/>
+                <a:ea typeface="Arial" pitchFamily="-65" charset="0"/>
+                <a:cs typeface="Arial" pitchFamily="-65" charset="0"/>
+                <a:sym typeface="Arial" pitchFamily="-65" charset="0"/>
+              </a:rPr>
+              <a:t>API</a:t>
+            </a:r>
+            <a:endParaRPr lang="en-US" dirty="0"/>
+          </a:p>
+        </p:txBody>
+      </p:sp>
+    </p:spTree>
+  </p:cSld>
+  <p:clrMapOvr>
+    <a:masterClrMapping/>
+  </p:clrMapOvr>
+  <p:transition xmlns:p14="http://schemas.microsoft.com/office/powerpoint/2010/main" spd="med"/>
+</p:sld>
+</file>
+
+<file path=ppt/slides/slide6.xml><?xml version="1.0" encoding="utf-8"?>
+<p:sld xmlns:a="http://schemas.openxmlformats.org/drawingml/2006/main" xmlns:r="http://schemas.openxmlformats.org/officeDocument/2006/relationships" xmlns:p="http://schemas.openxmlformats.org/presentationml/2006/main">
+  <p:cSld>
+    <p:spTree>
+      <p:nvGrpSpPr>
+        <p:cNvPr id="1" name=""/>
+        <p:cNvGrpSpPr/>
+        <p:nvPr/>
+      </p:nvGrpSpPr>
+      <p:grpSpPr>
+        <a:xfrm>
+          <a:off x="0" y="0"/>
+          <a:ext cx="0" cy="0"/>
+          <a:chOff x="0" y="0"/>
+          <a:chExt cx="0" cy="0"/>
+        </a:xfrm>
+      </p:grpSpPr>
+      <p:sp>
+        <p:nvSpPr>
           <p:cNvPr id="10241" name="Rectangle 1"/>
           <p:cNvSpPr>
-            <a:spLocks noChangeArrowheads="1"/>
+            <a:spLocks noGrp="1" noChangeArrowheads="1"/>
           </p:cNvSpPr>
           <p:nvPr>
             <p:ph type="title"/>
@@ -12879,7 +13658,7 @@
         <p:nvSpPr>
           <p:cNvPr id="10242" name="Rectangle 2"/>
           <p:cNvSpPr>
-            <a:spLocks noChangeArrowheads="1"/>
+            <a:spLocks noGrp="1" noChangeArrowheads="1"/>
           </p:cNvSpPr>
           <p:nvPr>
             <p:ph type="body" idx="1"/>
@@ -13165,12 +13944,12 @@
   <p:clrMapOvr>
     <a:masterClrMapping/>
   </p:clrMapOvr>
-  <p:transition spd="med"/>
+  <p:transition xmlns:p14="http://schemas.microsoft.com/office/powerpoint/2010/main" spd="med"/>
 </p:sld>
 </file>
 
-<file path=ppt/slides/slide5.xml><?xml version="1.0" encoding="utf-8"?>
-<p:sld xmlns:a="http://schemas.openxmlformats.org/drawingml/2006/main" xmlns:r="http://schemas.openxmlformats.org/officeDocument/2006/relationships" xmlns:mc="http://schemas.openxmlformats.org/markup-compatibility/2006" xmlns:mv="urn:schemas-microsoft-com:mac:vml" xmlns:p="http://schemas.openxmlformats.org/presentationml/2006/main" mc:Ignorable="mv" mc:PreserveAttributes="mv:*">
+<file path=ppt/slides/slide7.xml><?xml version="1.0" encoding="utf-8"?>
+<p:sld xmlns:a="http://schemas.openxmlformats.org/drawingml/2006/main" xmlns:r="http://schemas.openxmlformats.org/officeDocument/2006/relationships" xmlns:p="http://schemas.openxmlformats.org/presentationml/2006/main">
   <p:cSld>
     <p:spTree>
       <p:nvGrpSpPr>
@@ -13190,7 +13969,7 @@
         <p:nvSpPr>
           <p:cNvPr id="11265" name="Rectangle 1"/>
           <p:cNvSpPr>
-            <a:spLocks noChangeArrowheads="1"/>
+            <a:spLocks noGrp="1" noChangeArrowheads="1"/>
           </p:cNvSpPr>
           <p:nvPr>
             <p:ph type="title"/>
@@ -13227,7 +14006,7 @@
         <p:nvSpPr>
           <p:cNvPr id="11266" name="Rectangle 2"/>
           <p:cNvSpPr>
-            <a:spLocks noChangeArrowheads="1"/>
+            <a:spLocks noGrp="1" noChangeArrowheads="1"/>
           </p:cNvSpPr>
           <p:nvPr>
             <p:ph type="body" idx="1"/>
@@ -13380,12 +14159,12 @@
   <p:clrMapOvr>
     <a:masterClrMapping/>
   </p:clrMapOvr>
-  <p:transition spd="med"/>
+  <p:transition xmlns:p14="http://schemas.microsoft.com/office/powerpoint/2010/main" spd="med"/>
 </p:sld>
 </file>
 
-<file path=ppt/slides/slide6.xml><?xml version="1.0" encoding="utf-8"?>
-<p:sld xmlns:a="http://schemas.openxmlformats.org/drawingml/2006/main" xmlns:r="http://schemas.openxmlformats.org/officeDocument/2006/relationships" xmlns:mc="http://schemas.openxmlformats.org/markup-compatibility/2006" xmlns:mv="urn:schemas-microsoft-com:mac:vml" xmlns:p="http://schemas.openxmlformats.org/presentationml/2006/main" mc:Ignorable="mv" mc:PreserveAttributes="mv:*">
+<file path=ppt/slides/slide8.xml><?xml version="1.0" encoding="utf-8"?>
+<p:sld xmlns:a="http://schemas.openxmlformats.org/drawingml/2006/main" xmlns:r="http://schemas.openxmlformats.org/officeDocument/2006/relationships" xmlns:p="http://schemas.openxmlformats.org/presentationml/2006/main">
   <p:cSld>
     <p:spTree>
       <p:nvGrpSpPr>
@@ -13405,7 +14184,7 @@
         <p:nvSpPr>
           <p:cNvPr id="12289" name="Rectangle 1"/>
           <p:cNvSpPr>
-            <a:spLocks noChangeArrowheads="1"/>
+            <a:spLocks noGrp="1" noChangeArrowheads="1"/>
           </p:cNvSpPr>
           <p:nvPr>
             <p:ph type="title"/>
@@ -13442,7 +14221,7 @@
         <p:nvSpPr>
           <p:cNvPr id="12290" name="Rectangle 2"/>
           <p:cNvSpPr>
-            <a:spLocks noChangeArrowheads="1"/>
+            <a:spLocks noGrp="1" noChangeArrowheads="1"/>
           </p:cNvSpPr>
           <p:nvPr>
             <p:ph type="body" idx="1"/>
@@ -14288,12 +15067,12 @@
   <p:clrMapOvr>
     <a:masterClrMapping/>
   </p:clrMapOvr>
-  <p:transition spd="med"/>
+  <p:transition xmlns:p14="http://schemas.microsoft.com/office/powerpoint/2010/main" spd="med"/>
 </p:sld>
 </file>
 
-<file path=ppt/slides/slide7.xml><?xml version="1.0" encoding="utf-8"?>
-<p:sld xmlns:a="http://schemas.openxmlformats.org/drawingml/2006/main" xmlns:r="http://schemas.openxmlformats.org/officeDocument/2006/relationships" xmlns:mc="http://schemas.openxmlformats.org/markup-compatibility/2006" xmlns:mv="urn:schemas-microsoft-com:mac:vml" xmlns:p="http://schemas.openxmlformats.org/presentationml/2006/main" mc:Ignorable="mv" mc:PreserveAttributes="mv:*">
+<file path=ppt/slides/slide9.xml><?xml version="1.0" encoding="utf-8"?>
+<p:sld xmlns:a="http://schemas.openxmlformats.org/drawingml/2006/main" xmlns:r="http://schemas.openxmlformats.org/officeDocument/2006/relationships" xmlns:p="http://schemas.openxmlformats.org/presentationml/2006/main">
   <p:cSld>
     <p:spTree>
       <p:nvGrpSpPr>
@@ -14313,7 +15092,7 @@
         <p:nvSpPr>
           <p:cNvPr id="13313" name="Rectangle 1"/>
           <p:cNvSpPr>
-            <a:spLocks noChangeArrowheads="1"/>
+            <a:spLocks noGrp="1" noChangeArrowheads="1"/>
           </p:cNvSpPr>
           <p:nvPr>
             <p:ph type="title"/>
@@ -14350,7 +15129,7 @@
         <p:nvSpPr>
           <p:cNvPr id="13314" name="Rectangle 2"/>
           <p:cNvSpPr>
-            <a:spLocks noChangeArrowheads="1"/>
+            <a:spLocks noGrp="1" noChangeArrowheads="1"/>
           </p:cNvSpPr>
           <p:nvPr>
             <p:ph type="body" idx="1"/>
@@ -14826,574 +15605,7 @@
   <p:clrMapOvr>
     <a:masterClrMapping/>
   </p:clrMapOvr>
-  <p:transition spd="med"/>
-</p:sld>
-</file>
-
-<file path=ppt/slides/slide8.xml><?xml version="1.0" encoding="utf-8"?>
-<p:sld xmlns:a="http://schemas.openxmlformats.org/drawingml/2006/main" xmlns:r="http://schemas.openxmlformats.org/officeDocument/2006/relationships" xmlns:mc="http://schemas.openxmlformats.org/markup-compatibility/2006" xmlns:mv="urn:schemas-microsoft-com:mac:vml" xmlns:p="http://schemas.openxmlformats.org/presentationml/2006/main" mc:Ignorable="mv" mc:PreserveAttributes="mv:*">
-  <p:cSld>
-    <p:spTree>
-      <p:nvGrpSpPr>
-        <p:cNvPr id="1" name=""/>
-        <p:cNvGrpSpPr/>
-        <p:nvPr/>
-      </p:nvGrpSpPr>
-      <p:grpSpPr>
-        <a:xfrm>
-          <a:off x="0" y="0"/>
-          <a:ext cx="0" cy="0"/>
-          <a:chOff x="0" y="0"/>
-          <a:chExt cx="0" cy="0"/>
-        </a:xfrm>
-      </p:grpSpPr>
-      <p:sp>
-        <p:nvSpPr>
-          <p:cNvPr id="14337" name="Rectangle 1"/>
-          <p:cNvSpPr>
-            <a:spLocks noChangeArrowheads="1"/>
-          </p:cNvSpPr>
-          <p:nvPr>
-            <p:ph type="title"/>
-          </p:nvPr>
-        </p:nvSpPr>
-        <p:spPr/>
-        <p:txBody>
-          <a:bodyPr lIns="0" tIns="0" rIns="0" bIns="0" anchor="b"/>
-          <a:lstStyle/>
-          <a:p>
-            <a:pPr defTabSz="773113"/>
-            <a:r>
-              <a:rPr lang="en-US" sz="6100" b="1">
-                <a:solidFill>
-                  <a:srgbClr val="FFFFFF"/>
-                </a:solidFill>
-                <a:latin typeface="Arial" pitchFamily="-65" charset="0"/>
-                <a:ea typeface="Arial" pitchFamily="-65" charset="0"/>
-                <a:cs typeface="Arial" pitchFamily="-65" charset="0"/>
-                <a:sym typeface="Arial" pitchFamily="-65" charset="0"/>
-              </a:rPr>
-              <a:t>SAMPLE SOLUTIONS</a:t>
-            </a:r>
-            <a:endParaRPr lang="en-US"/>
-          </a:p>
-        </p:txBody>
-      </p:sp>
-      <p:sp>
-        <p:nvSpPr>
-          <p:cNvPr id="14338" name="Rectangle 2"/>
-          <p:cNvSpPr>
-            <a:spLocks noChangeArrowheads="1"/>
-          </p:cNvSpPr>
-          <p:nvPr>
-            <p:ph type="body" idx="1"/>
-          </p:nvPr>
-        </p:nvSpPr>
-        <p:spPr/>
-        <p:txBody>
-          <a:bodyPr lIns="0" tIns="0" rIns="0" bIns="0"/>
-          <a:lstStyle/>
-          <a:p>
-            <a:pPr marL="455613" indent="-455613" defTabSz="773113">
-              <a:spcBef>
-                <a:spcPts val="600"/>
-              </a:spcBef>
-              <a:buClr>
-                <a:srgbClr val="FFFFFF"/>
-              </a:buClr>
-              <a:buSzPct val="80000"/>
-              <a:buFont typeface="Arial" pitchFamily="-65" charset="0"/>
-              <a:buChar char="•"/>
-            </a:pPr>
-            <a:r>
-              <a:rPr lang="en-US" sz="2700" b="1">
-                <a:solidFill>
-                  <a:srgbClr val="FFFFFF"/>
-                </a:solidFill>
-                <a:latin typeface="Arial" pitchFamily="-65" charset="0"/>
-                <a:ea typeface="Arial" pitchFamily="-65" charset="0"/>
-                <a:cs typeface="Arial" pitchFamily="-65" charset="0"/>
-                <a:sym typeface="Arial" pitchFamily="-65" charset="0"/>
-              </a:rPr>
-              <a:t>API REQUEST BUILDER</a:t>
-            </a:r>
-          </a:p>
-          <a:p>
-            <a:pPr marL="455613" indent="-455613" defTabSz="773113">
-              <a:spcBef>
-                <a:spcPts val="600"/>
-              </a:spcBef>
-              <a:buClr>
-                <a:srgbClr val="FFFFFF"/>
-              </a:buClr>
-              <a:buSzPct val="80000"/>
-              <a:buFont typeface="Arial" pitchFamily="-65" charset="0"/>
-              <a:buChar char="•"/>
-            </a:pPr>
-            <a:r>
-              <a:rPr lang="en-US" sz="2700" b="1">
-                <a:solidFill>
-                  <a:srgbClr val="FFFFFF"/>
-                </a:solidFill>
-                <a:latin typeface="Arial" pitchFamily="-65" charset="0"/>
-                <a:ea typeface="Arial" pitchFamily="-65" charset="0"/>
-                <a:cs typeface="Arial" pitchFamily="-65" charset="0"/>
-                <a:sym typeface="Arial" pitchFamily="-65" charset="0"/>
-              </a:rPr>
-              <a:t>MOST POPULAR VIDEOS</a:t>
-            </a:r>
-            <a:endParaRPr lang="en-US"/>
-          </a:p>
-        </p:txBody>
-      </p:sp>
-    </p:spTree>
-  </p:cSld>
-  <p:clrMapOvr>
-    <a:masterClrMapping/>
-  </p:clrMapOvr>
-  <p:transition spd="med"/>
-</p:sld>
-</file>
-
-<file path=ppt/slides/slide9.xml><?xml version="1.0" encoding="utf-8"?>
-<p:sld xmlns:a="http://schemas.openxmlformats.org/drawingml/2006/main" xmlns:r="http://schemas.openxmlformats.org/officeDocument/2006/relationships" xmlns:mc="http://schemas.openxmlformats.org/markup-compatibility/2006" xmlns:mv="urn:schemas-microsoft-com:mac:vml" xmlns:p="http://schemas.openxmlformats.org/presentationml/2006/main" mc:Ignorable="mv" mc:PreserveAttributes="mv:*">
-  <p:cSld>
-    <p:spTree>
-      <p:nvGrpSpPr>
-        <p:cNvPr id="1" name=""/>
-        <p:cNvGrpSpPr/>
-        <p:nvPr/>
-      </p:nvGrpSpPr>
-      <p:grpSpPr>
-        <a:xfrm>
-          <a:off x="0" y="0"/>
-          <a:ext cx="0" cy="0"/>
-          <a:chOff x="0" y="0"/>
-          <a:chExt cx="0" cy="0"/>
-        </a:xfrm>
-      </p:grpSpPr>
-      <p:sp>
-        <p:nvSpPr>
-          <p:cNvPr id="15361" name="Rectangle 1"/>
-          <p:cNvSpPr>
-            <a:spLocks noChangeArrowheads="1"/>
-          </p:cNvSpPr>
-          <p:nvPr>
-            <p:ph type="title"/>
-          </p:nvPr>
-        </p:nvSpPr>
-        <p:spPr>
-          <a:xfrm>
-            <a:off x="776288" y="300038"/>
-            <a:ext cx="14489112" cy="1449387"/>
-          </a:xfrm>
-        </p:spPr>
-        <p:txBody>
-          <a:bodyPr lIns="0" tIns="0" rIns="0" bIns="0"/>
-          <a:lstStyle/>
-          <a:p>
-            <a:pPr defTabSz="773113"/>
-            <a:r>
-              <a:rPr lang="en-US" sz="3600" b="1">
-                <a:solidFill>
-                  <a:srgbClr val="606163"/>
-                </a:solidFill>
-                <a:latin typeface="Arial" pitchFamily="-65" charset="0"/>
-                <a:ea typeface="Arial" pitchFamily="-65" charset="0"/>
-                <a:cs typeface="Arial" pitchFamily="-65" charset="0"/>
-                <a:sym typeface="Arial" pitchFamily="-65" charset="0"/>
-              </a:rPr>
-              <a:t>TWO BASIC CATEGORIES OF SOLUTIONS</a:t>
-            </a:r>
-            <a:endParaRPr lang="en-US"/>
-          </a:p>
-        </p:txBody>
-      </p:sp>
-      <p:sp>
-        <p:nvSpPr>
-          <p:cNvPr id="15362" name="Rectangle 2"/>
-          <p:cNvSpPr>
-            <a:spLocks noChangeArrowheads="1"/>
-          </p:cNvSpPr>
-          <p:nvPr>
-            <p:ph type="body" idx="1"/>
-          </p:nvPr>
-        </p:nvSpPr>
-        <p:spPr>
-          <a:xfrm>
-            <a:off x="541338" y="2271713"/>
-            <a:ext cx="7966075" cy="5840412"/>
-          </a:xfrm>
-        </p:spPr>
-        <p:txBody>
-          <a:bodyPr lIns="0" tIns="0" rIns="0" bIns="0"/>
-          <a:lstStyle/>
-          <a:p>
-            <a:pPr marL="273050" indent="-273050" defTabSz="773113">
-              <a:spcBef>
-                <a:spcPts val="600"/>
-              </a:spcBef>
-              <a:buSzPct val="80000"/>
-              <a:buFontTx/>
-              <a:buBlip>
-                <a:blip r:embed="rId2"/>
-              </a:buBlip>
-            </a:pPr>
-            <a:r>
-              <a:rPr lang="en-US" sz="2400">
-                <a:solidFill>
-                  <a:srgbClr val="606163"/>
-                </a:solidFill>
-                <a:latin typeface="Arial" pitchFamily="-65" charset="0"/>
-                <a:ea typeface="Arial" pitchFamily="-65" charset="0"/>
-                <a:cs typeface="Arial" pitchFamily="-65" charset="0"/>
-                <a:sym typeface="Arial" pitchFamily="-65" charset="0"/>
-              </a:rPr>
-              <a:t>Custom Reports</a:t>
-            </a:r>
-          </a:p>
-          <a:p>
-            <a:pPr marL="758825" lvl="1" indent="-273050" defTabSz="773113">
-              <a:spcBef>
-                <a:spcPts val="500"/>
-              </a:spcBef>
-              <a:buSzPct val="60000"/>
-              <a:buFontTx/>
-              <a:buBlip>
-                <a:blip r:embed="rId3"/>
-              </a:buBlip>
-            </a:pPr>
-            <a:r>
-              <a:rPr lang="en-US" sz="2400">
-                <a:solidFill>
-                  <a:srgbClr val="606163"/>
-                </a:solidFill>
-                <a:latin typeface="Arial" pitchFamily="-65" charset="0"/>
-                <a:ea typeface="Arial" pitchFamily="-65" charset="0"/>
-                <a:cs typeface="Arial" pitchFamily="-65" charset="0"/>
-                <a:sym typeface="Arial" pitchFamily="-65" charset="0"/>
-              </a:rPr>
-              <a:t>Get a specific data-set that the built-in reports don’t provide</a:t>
-            </a:r>
-          </a:p>
-          <a:p>
-            <a:pPr marL="758825" lvl="1" indent="-273050" defTabSz="773113">
-              <a:spcBef>
-                <a:spcPts val="500"/>
-              </a:spcBef>
-              <a:buSzPct val="60000"/>
-              <a:buFontTx/>
-              <a:buBlip>
-                <a:blip r:embed="rId3"/>
-              </a:buBlip>
-            </a:pPr>
-            <a:r>
-              <a:rPr lang="en-US" sz="2400">
-                <a:solidFill>
-                  <a:srgbClr val="606163"/>
-                </a:solidFill>
-                <a:latin typeface="Arial" pitchFamily="-65" charset="0"/>
-                <a:ea typeface="Arial" pitchFamily="-65" charset="0"/>
-                <a:cs typeface="Arial" pitchFamily="-65" charset="0"/>
-                <a:sym typeface="Arial" pitchFamily="-65" charset="0"/>
-              </a:rPr>
-              <a:t>Represent the data differently</a:t>
-            </a:r>
-          </a:p>
-          <a:p>
-            <a:pPr marL="273050" indent="-273050" defTabSz="773113">
-              <a:spcBef>
-                <a:spcPts val="600"/>
-              </a:spcBef>
-              <a:buSzPct val="80000"/>
-              <a:buFontTx/>
-              <a:buBlip>
-                <a:blip r:embed="rId2"/>
-              </a:buBlip>
-            </a:pPr>
-            <a:r>
-              <a:rPr lang="en-US" sz="2400">
-                <a:solidFill>
-                  <a:srgbClr val="606163"/>
-                </a:solidFill>
-                <a:latin typeface="Arial" pitchFamily="-65" charset="0"/>
-                <a:ea typeface="Arial" pitchFamily="-65" charset="0"/>
-                <a:cs typeface="Arial" pitchFamily="-65" charset="0"/>
-                <a:sym typeface="Arial" pitchFamily="-65" charset="0"/>
-              </a:rPr>
-              <a:t>Example:</a:t>
-            </a:r>
-          </a:p>
-          <a:p>
-            <a:pPr marL="273050" indent="-273050" defTabSz="773113">
-              <a:spcBef>
-                <a:spcPts val="600"/>
-              </a:spcBef>
-              <a:buSzPct val="80000"/>
-              <a:buFontTx/>
-              <a:buBlip>
-                <a:blip r:embed="rId2"/>
-              </a:buBlip>
-            </a:pPr>
-            <a:r>
-              <a:rPr lang="en-US" sz="2400" u="sng">
-                <a:solidFill>
-                  <a:srgbClr val="0000FF"/>
-                </a:solidFill>
-                <a:latin typeface="Arial" pitchFamily="-65" charset="0"/>
-                <a:ea typeface="Arial" pitchFamily="-65" charset="0"/>
-                <a:cs typeface="Arial" pitchFamily="-65" charset="0"/>
-                <a:sym typeface="Arial" pitchFamily="-65" charset="0"/>
-                <a:hlinkClick r:id="rId4"/>
-              </a:rPr>
-              <a:t>http://solutions.brightcove.com/bcls/analytics-api/video-reports-by-player-and-day/video-reports-by-player-and-day.html</a:t>
-            </a:r>
-            <a:r>
-              <a:rPr lang="en-US" sz="2400">
-                <a:solidFill>
-                  <a:srgbClr val="606163"/>
-                </a:solidFill>
-                <a:latin typeface="Arial" pitchFamily="-65" charset="0"/>
-                <a:ea typeface="Arial" pitchFamily="-65" charset="0"/>
-                <a:cs typeface="Arial" pitchFamily="-65" charset="0"/>
-                <a:sym typeface="Arial" pitchFamily="-65" charset="0"/>
-              </a:rPr>
-              <a:t> </a:t>
-            </a:r>
-            <a:endParaRPr lang="en-US"/>
-          </a:p>
-        </p:txBody>
-      </p:sp>
-      <p:sp>
-        <p:nvSpPr>
-          <p:cNvPr id="15363" name="AutoShape 3"/>
-          <p:cNvSpPr>
-            <a:spLocks/>
-          </p:cNvSpPr>
-          <p:nvPr/>
-        </p:nvSpPr>
-        <p:spPr bwMode="auto">
-          <a:xfrm>
-            <a:off x="9194800" y="2271713"/>
-            <a:ext cx="7543801" cy="3716337"/>
-          </a:xfrm>
-          <a:custGeom>
-            <a:avLst/>
-            <a:gdLst>
-              <a:gd name="T0" fmla="*/ 10800 w 21600"/>
-              <a:gd name="T1" fmla="*/ 10800 h 21600"/>
-              <a:gd name="T2" fmla="*/ 10800 w 21600"/>
-              <a:gd name="T3" fmla="*/ 10800 h 21600"/>
-              <a:gd name="T4" fmla="*/ 10800 w 21600"/>
-              <a:gd name="T5" fmla="*/ 10800 h 21600"/>
-              <a:gd name="T6" fmla="*/ 10800 w 21600"/>
-              <a:gd name="T7" fmla="*/ 10800 h 21600"/>
-            </a:gdLst>
-            <a:ahLst/>
-            <a:cxnLst>
-              <a:cxn ang="0">
-                <a:pos x="T0" y="T1"/>
-              </a:cxn>
-              <a:cxn ang="0">
-                <a:pos x="T2" y="T3"/>
-              </a:cxn>
-              <a:cxn ang="0">
-                <a:pos x="T4" y="T5"/>
-              </a:cxn>
-              <a:cxn ang="0">
-                <a:pos x="T6" y="T7"/>
-              </a:cxn>
-            </a:cxnLst>
-            <a:rect l="0" t="0" r="r" b="b"/>
-            <a:pathLst>
-              <a:path w="21600" h="21600">
-                <a:moveTo>
-                  <a:pt x="0" y="0"/>
-                </a:moveTo>
-                <a:lnTo>
-                  <a:pt x="21599" y="0"/>
-                </a:lnTo>
-                <a:lnTo>
-                  <a:pt x="21599" y="21600"/>
-                </a:lnTo>
-                <a:lnTo>
-                  <a:pt x="0" y="21600"/>
-                </a:lnTo>
-                <a:close/>
-              </a:path>
-            </a:pathLst>
-          </a:custGeom>
-          <a:noFill/>
-          <a:ln w="12700" cap="flat" cmpd="sng">
-            <a:noFill/>
-            <a:prstDash val="solid"/>
-            <a:miter lim="0"/>
-            <a:headEnd/>
-            <a:tailEnd/>
-          </a:ln>
-          <a:effectLst/>
-        </p:spPr>
-        <p:txBody>
-          <a:bodyPr lIns="77353" tIns="77353" rIns="77353" bIns="77353">
-            <a:prstTxWarp prst="textNoShape">
-              <a:avLst/>
-            </a:prstTxWarp>
-          </a:bodyPr>
-          <a:lstStyle/>
-          <a:p>
-            <a:pPr marL="273050" indent="-273050">
-              <a:spcBef>
-                <a:spcPts val="600"/>
-              </a:spcBef>
-              <a:buSzPct val="80000"/>
-              <a:buFontTx/>
-              <a:buBlip>
-                <a:blip r:embed="rId2"/>
-              </a:buBlip>
-            </a:pPr>
-            <a:r>
-              <a:rPr lang="en-US" sz="2400" dirty="0">
-                <a:solidFill>
-                  <a:srgbClr val="606163"/>
-                </a:solidFill>
-                <a:latin typeface="Arial" pitchFamily="-65" charset="0"/>
-                <a:ea typeface="Arial" pitchFamily="-65" charset="0"/>
-                <a:cs typeface="Arial" pitchFamily="-65" charset="0"/>
-                <a:sym typeface="Arial" pitchFamily="-65" charset="0"/>
-              </a:rPr>
-              <a:t>Do something (like create a playlist) based on analytics data</a:t>
-            </a:r>
-          </a:p>
-          <a:p>
-            <a:pPr marL="758825" lvl="1" indent="-273050">
-              <a:spcBef>
-                <a:spcPts val="500"/>
-              </a:spcBef>
-              <a:buSzPct val="60000"/>
-              <a:buFontTx/>
-              <a:buBlip>
-                <a:blip r:embed="rId3"/>
-              </a:buBlip>
-            </a:pPr>
-            <a:r>
-              <a:rPr lang="en-US" sz="2400" dirty="0">
-                <a:solidFill>
-                  <a:srgbClr val="606163"/>
-                </a:solidFill>
-                <a:latin typeface="Arial" pitchFamily="-65" charset="0"/>
-                <a:ea typeface="Arial" pitchFamily="-65" charset="0"/>
-                <a:cs typeface="Arial" pitchFamily="-65" charset="0"/>
-                <a:sym typeface="Arial" pitchFamily="-65" charset="0"/>
-              </a:rPr>
-              <a:t>Most popular videos</a:t>
-            </a:r>
-          </a:p>
-          <a:p>
-            <a:pPr marL="758825" lvl="1" indent="-273050">
-              <a:spcBef>
-                <a:spcPts val="500"/>
-              </a:spcBef>
-              <a:buSzPct val="60000"/>
-              <a:buFontTx/>
-              <a:buBlip>
-                <a:blip r:embed="rId3"/>
-              </a:buBlip>
-            </a:pPr>
-            <a:r>
-              <a:rPr lang="en-US" sz="2400" dirty="0">
-                <a:solidFill>
-                  <a:srgbClr val="606163"/>
-                </a:solidFill>
-                <a:latin typeface="Arial" pitchFamily="-65" charset="0"/>
-                <a:ea typeface="Arial" pitchFamily="-65" charset="0"/>
-                <a:cs typeface="Arial" pitchFamily="-65" charset="0"/>
-                <a:sym typeface="Arial" pitchFamily="-65" charset="0"/>
-              </a:rPr>
-              <a:t>Trending videos</a:t>
-            </a:r>
-          </a:p>
-          <a:p>
-            <a:pPr marL="758825" lvl="1" indent="-273050">
-              <a:spcBef>
-                <a:spcPts val="500"/>
-              </a:spcBef>
-              <a:buSzPct val="60000"/>
-              <a:buFontTx/>
-              <a:buBlip>
-                <a:blip r:embed="rId3"/>
-              </a:buBlip>
-            </a:pPr>
-            <a:r>
-              <a:rPr lang="en-US" sz="2400" dirty="0">
-                <a:solidFill>
-                  <a:srgbClr val="606163"/>
-                </a:solidFill>
-                <a:latin typeface="Arial" pitchFamily="-65" charset="0"/>
-                <a:ea typeface="Arial" pitchFamily="-65" charset="0"/>
-                <a:cs typeface="Arial" pitchFamily="-65" charset="0"/>
-                <a:sym typeface="Arial" pitchFamily="-65" charset="0"/>
-              </a:rPr>
-              <a:t>Choose most popular among a set of relevant videos</a:t>
-            </a:r>
-          </a:p>
-          <a:p>
-            <a:pPr marL="273050" indent="-273050">
-              <a:spcBef>
-                <a:spcPts val="600"/>
-              </a:spcBef>
-              <a:buSzPct val="80000"/>
-              <a:buFontTx/>
-              <a:buBlip>
-                <a:blip r:embed="rId2"/>
-              </a:buBlip>
-            </a:pPr>
-            <a:r>
-              <a:rPr lang="en-US" sz="2400" dirty="0">
-                <a:solidFill>
-                  <a:srgbClr val="606163"/>
-                </a:solidFill>
-                <a:latin typeface="Arial" pitchFamily="-65" charset="0"/>
-                <a:ea typeface="Arial" pitchFamily="-65" charset="0"/>
-                <a:cs typeface="Arial" pitchFamily="-65" charset="0"/>
-                <a:sym typeface="Arial" pitchFamily="-65" charset="0"/>
-              </a:rPr>
-              <a:t>Example</a:t>
-            </a:r>
-          </a:p>
-          <a:p>
-            <a:pPr marL="273050" indent="-273050">
-              <a:spcBef>
-                <a:spcPts val="600"/>
-              </a:spcBef>
-              <a:buSzPct val="80000"/>
-              <a:buFontTx/>
-              <a:buBlip>
-                <a:blip r:embed="rId2"/>
-              </a:buBlip>
-            </a:pPr>
-            <a:r>
-              <a:rPr lang="en-US" sz="2400" u="sng" dirty="0">
-                <a:solidFill>
-                  <a:srgbClr val="0000FF"/>
-                </a:solidFill>
-                <a:latin typeface="Arial" pitchFamily="-65" charset="0"/>
-                <a:ea typeface="Arial" pitchFamily="-65" charset="0"/>
-                <a:cs typeface="Arial" pitchFamily="-65" charset="0"/>
-                <a:sym typeface="Arial" pitchFamily="-65" charset="0"/>
-                <a:hlinkClick r:id="rId5"/>
-              </a:rPr>
-              <a:t>http://solutions.brightcove.com/bcls/analytics-api/most-popular-videos.html</a:t>
-            </a:r>
-            <a:endParaRPr lang="en-US" dirty="0"/>
-          </a:p>
-        </p:txBody>
-      </p:sp>
-    </p:spTree>
-  </p:cSld>
-  <p:clrMapOvr>
-    <a:masterClrMapping/>
-  </p:clrMapOvr>
-  <p:transition spd="med"/>
+  <p:transition xmlns:p14="http://schemas.microsoft.com/office/powerpoint/2010/main" spd="med"/>
 </p:sld>
 </file>
 
